--- a/Documentation/Host Main Game Screen.pptx
+++ b/Documentation/Host Main Game Screen.pptx
@@ -5,7 +5,8 @@
     <p:sldMasterId id="2147483648" r:id="rId1"/>
   </p:sldMasterIdLst>
   <p:sldIdLst>
-    <p:sldId id="256" r:id="rId2"/>
+    <p:sldId id="257" r:id="rId2"/>
+    <p:sldId id="256" r:id="rId3"/>
   </p:sldIdLst>
   <p:sldSz cx="12192000" cy="6858000"/>
   <p:notesSz cx="6858000" cy="9144000"/>
@@ -104,6 +105,11 @@
       </a:defRPr>
     </a:lvl9pPr>
   </p:defaultTextStyle>
+  <p:extLst>
+    <p:ext uri="{EFAFB233-063F-42B5-8137-9DF3F51BA10A}">
+      <p15:sldGuideLst xmlns:p15="http://schemas.microsoft.com/office/powerpoint/2012/main"/>
+    </p:ext>
+  </p:extLst>
 </p:presentation>
 </file>
 
@@ -256,7 +262,7 @@
           <a:p>
             <a:fld id="{ED8D0E25-5DB8-471D-A76A-627DA246F623}" type="datetimeFigureOut">
               <a:rPr lang="en-GB" smtClean="0"/>
-              <a:t>15/01/2026</a:t>
+              <a:t>16/01/2026</a:t>
             </a:fld>
             <a:endParaRPr lang="en-GB"/>
           </a:p>
@@ -456,7 +462,7 @@
           <a:p>
             <a:fld id="{ED8D0E25-5DB8-471D-A76A-627DA246F623}" type="datetimeFigureOut">
               <a:rPr lang="en-GB" smtClean="0"/>
-              <a:t>15/01/2026</a:t>
+              <a:t>16/01/2026</a:t>
             </a:fld>
             <a:endParaRPr lang="en-GB"/>
           </a:p>
@@ -666,7 +672,7 @@
           <a:p>
             <a:fld id="{ED8D0E25-5DB8-471D-A76A-627DA246F623}" type="datetimeFigureOut">
               <a:rPr lang="en-GB" smtClean="0"/>
-              <a:t>15/01/2026</a:t>
+              <a:t>16/01/2026</a:t>
             </a:fld>
             <a:endParaRPr lang="en-GB"/>
           </a:p>
@@ -866,7 +872,7 @@
           <a:p>
             <a:fld id="{ED8D0E25-5DB8-471D-A76A-627DA246F623}" type="datetimeFigureOut">
               <a:rPr lang="en-GB" smtClean="0"/>
-              <a:t>15/01/2026</a:t>
+              <a:t>16/01/2026</a:t>
             </a:fld>
             <a:endParaRPr lang="en-GB"/>
           </a:p>
@@ -1142,7 +1148,7 @@
           <a:p>
             <a:fld id="{ED8D0E25-5DB8-471D-A76A-627DA246F623}" type="datetimeFigureOut">
               <a:rPr lang="en-GB" smtClean="0"/>
-              <a:t>15/01/2026</a:t>
+              <a:t>16/01/2026</a:t>
             </a:fld>
             <a:endParaRPr lang="en-GB"/>
           </a:p>
@@ -1410,7 +1416,7 @@
           <a:p>
             <a:fld id="{ED8D0E25-5DB8-471D-A76A-627DA246F623}" type="datetimeFigureOut">
               <a:rPr lang="en-GB" smtClean="0"/>
-              <a:t>15/01/2026</a:t>
+              <a:t>16/01/2026</a:t>
             </a:fld>
             <a:endParaRPr lang="en-GB"/>
           </a:p>
@@ -1825,7 +1831,7 @@
           <a:p>
             <a:fld id="{ED8D0E25-5DB8-471D-A76A-627DA246F623}" type="datetimeFigureOut">
               <a:rPr lang="en-GB" smtClean="0"/>
-              <a:t>15/01/2026</a:t>
+              <a:t>16/01/2026</a:t>
             </a:fld>
             <a:endParaRPr lang="en-GB"/>
           </a:p>
@@ -1967,7 +1973,7 @@
           <a:p>
             <a:fld id="{ED8D0E25-5DB8-471D-A76A-627DA246F623}" type="datetimeFigureOut">
               <a:rPr lang="en-GB" smtClean="0"/>
-              <a:t>15/01/2026</a:t>
+              <a:t>16/01/2026</a:t>
             </a:fld>
             <a:endParaRPr lang="en-GB"/>
           </a:p>
@@ -2080,7 +2086,7 @@
           <a:p>
             <a:fld id="{ED8D0E25-5DB8-471D-A76A-627DA246F623}" type="datetimeFigureOut">
               <a:rPr lang="en-GB" smtClean="0"/>
-              <a:t>15/01/2026</a:t>
+              <a:t>16/01/2026</a:t>
             </a:fld>
             <a:endParaRPr lang="en-GB"/>
           </a:p>
@@ -2393,7 +2399,7 @@
           <a:p>
             <a:fld id="{ED8D0E25-5DB8-471D-A76A-627DA246F623}" type="datetimeFigureOut">
               <a:rPr lang="en-GB" smtClean="0"/>
-              <a:t>15/01/2026</a:t>
+              <a:t>16/01/2026</a:t>
             </a:fld>
             <a:endParaRPr lang="en-GB"/>
           </a:p>
@@ -2682,7 +2688,7 @@
           <a:p>
             <a:fld id="{ED8D0E25-5DB8-471D-A76A-627DA246F623}" type="datetimeFigureOut">
               <a:rPr lang="en-GB" smtClean="0"/>
-              <a:t>15/01/2026</a:t>
+              <a:t>16/01/2026</a:t>
             </a:fld>
             <a:endParaRPr lang="en-GB"/>
           </a:p>
@@ -2925,7 +2931,7 @@
           <a:p>
             <a:fld id="{ED8D0E25-5DB8-471D-A76A-627DA246F623}" type="datetimeFigureOut">
               <a:rPr lang="en-GB" smtClean="0"/>
-              <a:t>15/01/2026</a:t>
+              <a:t>16/01/2026</a:t>
             </a:fld>
             <a:endParaRPr lang="en-GB"/>
           </a:p>
@@ -3326,6 +3332,2660 @@
 </file>
 
 <file path=ppt/slides/slide1.xml><?xml version="1.0" encoding="utf-8"?>
+<p:sld xmlns:a="http://schemas.openxmlformats.org/drawingml/2006/main" xmlns:r="http://schemas.openxmlformats.org/officeDocument/2006/relationships" xmlns:p="http://schemas.openxmlformats.org/presentationml/2006/main">
+  <p:cSld>
+    <p:spTree>
+      <p:nvGrpSpPr>
+        <p:cNvPr id="1" name=""/>
+        <p:cNvGrpSpPr/>
+        <p:nvPr/>
+      </p:nvGrpSpPr>
+      <p:grpSpPr>
+        <a:xfrm>
+          <a:off x="0" y="0"/>
+          <a:ext cx="0" cy="0"/>
+          <a:chOff x="0" y="0"/>
+          <a:chExt cx="0" cy="0"/>
+        </a:xfrm>
+      </p:grpSpPr>
+      <p:pic>
+        <p:nvPicPr>
+          <p:cNvPr id="4" name="Picture 6" descr="A Simplified, Yet Complex Solution (221B Baker Street) – Northern Dice">
+            <a:extLst>
+              <a:ext uri="{FF2B5EF4-FFF2-40B4-BE49-F238E27FC236}">
+                <a16:creationId xmlns:a16="http://schemas.microsoft.com/office/drawing/2014/main" id="{2AE8308C-F864-1547-FCE4-1C9B9FAC958A}"/>
+              </a:ext>
+            </a:extLst>
+          </p:cNvPr>
+          <p:cNvPicPr>
+            <a:picLocks noChangeAspect="1" noChangeArrowheads="1"/>
+          </p:cNvPicPr>
+          <p:nvPr/>
+        </p:nvPicPr>
+        <p:blipFill rotWithShape="1">
+          <a:blip r:embed="rId2">
+            <a:extLst>
+              <a:ext uri="{28A0092B-C50C-407E-A947-70E740481C1C}">
+                <a14:useLocalDpi xmlns:a14="http://schemas.microsoft.com/office/drawing/2010/main" val="0"/>
+              </a:ext>
+            </a:extLst>
+          </a:blip>
+          <a:srcRect t="26128"/>
+          <a:stretch>
+            <a:fillRect/>
+          </a:stretch>
+        </p:blipFill>
+        <p:spPr bwMode="auto">
+          <a:xfrm>
+            <a:off x="-419330" y="6105960"/>
+            <a:ext cx="2181198" cy="1089497"/>
+          </a:xfrm>
+          <a:prstGeom prst="rect">
+            <a:avLst/>
+          </a:prstGeom>
+          <a:noFill/>
+          <a:extLst>
+            <a:ext uri="{909E8E84-426E-40DD-AFC4-6F175D3DCCD1}">
+              <a14:hiddenFill xmlns:a14="http://schemas.microsoft.com/office/drawing/2010/main">
+                <a:solidFill>
+                  <a:srgbClr val="FFFFFF"/>
+                </a:solidFill>
+              </a14:hiddenFill>
+            </a:ext>
+          </a:extLst>
+        </p:spPr>
+      </p:pic>
+      <p:pic>
+        <p:nvPicPr>
+          <p:cNvPr id="5" name="Picture 6" descr="A Simplified, Yet Complex Solution (221B Baker Street) – Northern Dice">
+            <a:extLst>
+              <a:ext uri="{FF2B5EF4-FFF2-40B4-BE49-F238E27FC236}">
+                <a16:creationId xmlns:a16="http://schemas.microsoft.com/office/drawing/2014/main" id="{EE164BFC-63D8-AA92-7E04-0CEB2921791B}"/>
+              </a:ext>
+            </a:extLst>
+          </p:cNvPr>
+          <p:cNvPicPr>
+            <a:picLocks noChangeAspect="1" noChangeArrowheads="1"/>
+          </p:cNvPicPr>
+          <p:nvPr/>
+        </p:nvPicPr>
+        <p:blipFill rotWithShape="1">
+          <a:blip r:embed="rId2">
+            <a:extLst>
+              <a:ext uri="{28A0092B-C50C-407E-A947-70E740481C1C}">
+                <a14:useLocalDpi xmlns:a14="http://schemas.microsoft.com/office/drawing/2010/main" val="0"/>
+              </a:ext>
+            </a:extLst>
+          </a:blip>
+          <a:srcRect t="26128"/>
+          <a:stretch>
+            <a:fillRect/>
+          </a:stretch>
+        </p:blipFill>
+        <p:spPr bwMode="auto">
+          <a:xfrm>
+            <a:off x="6096000" y="6105960"/>
+            <a:ext cx="2181198" cy="1089497"/>
+          </a:xfrm>
+          <a:prstGeom prst="rect">
+            <a:avLst/>
+          </a:prstGeom>
+          <a:noFill/>
+          <a:extLst>
+            <a:ext uri="{909E8E84-426E-40DD-AFC4-6F175D3DCCD1}">
+              <a14:hiddenFill xmlns:a14="http://schemas.microsoft.com/office/drawing/2010/main">
+                <a:solidFill>
+                  <a:srgbClr val="FFFFFF"/>
+                </a:solidFill>
+              </a14:hiddenFill>
+            </a:ext>
+          </a:extLst>
+        </p:spPr>
+      </p:pic>
+      <p:pic>
+        <p:nvPicPr>
+          <p:cNvPr id="6" name="Picture 5" descr="A Simplified, Yet Complex Solution (221B Baker Street) – Northern Dice">
+            <a:extLst>
+              <a:ext uri="{FF2B5EF4-FFF2-40B4-BE49-F238E27FC236}">
+                <a16:creationId xmlns:a16="http://schemas.microsoft.com/office/drawing/2014/main" id="{1D92BCD5-1C79-E233-7C35-E1145233F501}"/>
+              </a:ext>
+            </a:extLst>
+          </p:cNvPr>
+          <p:cNvPicPr>
+            <a:picLocks noChangeAspect="1" noChangeArrowheads="1"/>
+          </p:cNvPicPr>
+          <p:nvPr/>
+        </p:nvPicPr>
+        <p:blipFill rotWithShape="1">
+          <a:blip r:embed="rId2">
+            <a:extLst>
+              <a:ext uri="{28A0092B-C50C-407E-A947-70E740481C1C}">
+                <a14:useLocalDpi xmlns:a14="http://schemas.microsoft.com/office/drawing/2010/main" val="0"/>
+              </a:ext>
+            </a:extLst>
+          </a:blip>
+          <a:srcRect t="26128"/>
+          <a:stretch>
+            <a:fillRect/>
+          </a:stretch>
+        </p:blipFill>
+        <p:spPr bwMode="auto">
+          <a:xfrm>
+            <a:off x="3914802" y="6105960"/>
+            <a:ext cx="2181198" cy="1089497"/>
+          </a:xfrm>
+          <a:prstGeom prst="rect">
+            <a:avLst/>
+          </a:prstGeom>
+          <a:noFill/>
+          <a:extLst>
+            <a:ext uri="{909E8E84-426E-40DD-AFC4-6F175D3DCCD1}">
+              <a14:hiddenFill xmlns:a14="http://schemas.microsoft.com/office/drawing/2010/main">
+                <a:solidFill>
+                  <a:srgbClr val="FFFFFF"/>
+                </a:solidFill>
+              </a14:hiddenFill>
+            </a:ext>
+          </a:extLst>
+        </p:spPr>
+      </p:pic>
+      <p:pic>
+        <p:nvPicPr>
+          <p:cNvPr id="7" name="Picture 6" descr="A Simplified, Yet Complex Solution (221B Baker Street) – Northern Dice">
+            <a:extLst>
+              <a:ext uri="{FF2B5EF4-FFF2-40B4-BE49-F238E27FC236}">
+                <a16:creationId xmlns:a16="http://schemas.microsoft.com/office/drawing/2014/main" id="{63D8AC4C-C69B-0656-78B3-43FF05C2C899}"/>
+              </a:ext>
+            </a:extLst>
+          </p:cNvPr>
+          <p:cNvPicPr>
+            <a:picLocks noChangeAspect="1" noChangeArrowheads="1"/>
+          </p:cNvPicPr>
+          <p:nvPr/>
+        </p:nvPicPr>
+        <p:blipFill rotWithShape="1">
+          <a:blip r:embed="rId2">
+            <a:extLst>
+              <a:ext uri="{28A0092B-C50C-407E-A947-70E740481C1C}">
+                <a14:useLocalDpi xmlns:a14="http://schemas.microsoft.com/office/drawing/2010/main" val="0"/>
+              </a:ext>
+            </a:extLst>
+          </a:blip>
+          <a:srcRect t="26128"/>
+          <a:stretch>
+            <a:fillRect/>
+          </a:stretch>
+        </p:blipFill>
+        <p:spPr bwMode="auto">
+          <a:xfrm>
+            <a:off x="1747736" y="6105958"/>
+            <a:ext cx="2181198" cy="1089497"/>
+          </a:xfrm>
+          <a:prstGeom prst="rect">
+            <a:avLst/>
+          </a:prstGeom>
+          <a:noFill/>
+          <a:extLst>
+            <a:ext uri="{909E8E84-426E-40DD-AFC4-6F175D3DCCD1}">
+              <a14:hiddenFill xmlns:a14="http://schemas.microsoft.com/office/drawing/2010/main">
+                <a:solidFill>
+                  <a:srgbClr val="FFFFFF"/>
+                </a:solidFill>
+              </a14:hiddenFill>
+            </a:ext>
+          </a:extLst>
+        </p:spPr>
+      </p:pic>
+      <p:pic>
+        <p:nvPicPr>
+          <p:cNvPr id="8" name="Picture 6" descr="A Simplified, Yet Complex Solution (221B Baker Street) – Northern Dice">
+            <a:extLst>
+              <a:ext uri="{FF2B5EF4-FFF2-40B4-BE49-F238E27FC236}">
+                <a16:creationId xmlns:a16="http://schemas.microsoft.com/office/drawing/2014/main" id="{9373B2AC-5212-388E-4ED6-F858DAD5A68D}"/>
+              </a:ext>
+            </a:extLst>
+          </p:cNvPr>
+          <p:cNvPicPr>
+            <a:picLocks noChangeAspect="1" noChangeArrowheads="1"/>
+          </p:cNvPicPr>
+          <p:nvPr/>
+        </p:nvPicPr>
+        <p:blipFill rotWithShape="1">
+          <a:blip r:embed="rId2">
+            <a:extLst>
+              <a:ext uri="{28A0092B-C50C-407E-A947-70E740481C1C}">
+                <a14:useLocalDpi xmlns:a14="http://schemas.microsoft.com/office/drawing/2010/main" val="0"/>
+              </a:ext>
+            </a:extLst>
+          </a:blip>
+          <a:srcRect t="26128"/>
+          <a:stretch>
+            <a:fillRect/>
+          </a:stretch>
+        </p:blipFill>
+        <p:spPr bwMode="auto">
+          <a:xfrm>
+            <a:off x="8248934" y="6105957"/>
+            <a:ext cx="2181198" cy="1089497"/>
+          </a:xfrm>
+          <a:prstGeom prst="rect">
+            <a:avLst/>
+          </a:prstGeom>
+          <a:noFill/>
+          <a:extLst>
+            <a:ext uri="{909E8E84-426E-40DD-AFC4-6F175D3DCCD1}">
+              <a14:hiddenFill xmlns:a14="http://schemas.microsoft.com/office/drawing/2010/main">
+                <a:solidFill>
+                  <a:srgbClr val="FFFFFF"/>
+                </a:solidFill>
+              </a14:hiddenFill>
+            </a:ext>
+          </a:extLst>
+        </p:spPr>
+      </p:pic>
+      <p:pic>
+        <p:nvPicPr>
+          <p:cNvPr id="9" name="Picture 6" descr="A Simplified, Yet Complex Solution (221B Baker Street) – Northern Dice">
+            <a:extLst>
+              <a:ext uri="{FF2B5EF4-FFF2-40B4-BE49-F238E27FC236}">
+                <a16:creationId xmlns:a16="http://schemas.microsoft.com/office/drawing/2014/main" id="{88F0BB49-5484-E5D4-9366-55C01C37C9E8}"/>
+              </a:ext>
+            </a:extLst>
+          </p:cNvPr>
+          <p:cNvPicPr>
+            <a:picLocks noChangeAspect="1" noChangeArrowheads="1"/>
+          </p:cNvPicPr>
+          <p:nvPr/>
+        </p:nvPicPr>
+        <p:blipFill rotWithShape="1">
+          <a:blip r:embed="rId2">
+            <a:extLst>
+              <a:ext uri="{28A0092B-C50C-407E-A947-70E740481C1C}">
+                <a14:useLocalDpi xmlns:a14="http://schemas.microsoft.com/office/drawing/2010/main" val="0"/>
+              </a:ext>
+            </a:extLst>
+          </a:blip>
+          <a:srcRect t="26128"/>
+          <a:stretch>
+            <a:fillRect/>
+          </a:stretch>
+        </p:blipFill>
+        <p:spPr bwMode="auto">
+          <a:xfrm>
+            <a:off x="10401868" y="6105960"/>
+            <a:ext cx="2181198" cy="1089497"/>
+          </a:xfrm>
+          <a:prstGeom prst="rect">
+            <a:avLst/>
+          </a:prstGeom>
+          <a:noFill/>
+          <a:extLst>
+            <a:ext uri="{909E8E84-426E-40DD-AFC4-6F175D3DCCD1}">
+              <a14:hiddenFill xmlns:a14="http://schemas.microsoft.com/office/drawing/2010/main">
+                <a:solidFill>
+                  <a:srgbClr val="FFFFFF"/>
+                </a:solidFill>
+              </a14:hiddenFill>
+            </a:ext>
+          </a:extLst>
+        </p:spPr>
+      </p:pic>
+      <p:pic>
+        <p:nvPicPr>
+          <p:cNvPr id="10" name="Picture 6" descr="A Simplified, Yet Complex Solution (221B Baker Street) – Northern Dice">
+            <a:extLst>
+              <a:ext uri="{FF2B5EF4-FFF2-40B4-BE49-F238E27FC236}">
+                <a16:creationId xmlns:a16="http://schemas.microsoft.com/office/drawing/2014/main" id="{20F5D22C-1233-BD34-7ADC-E737E2F08DA0}"/>
+              </a:ext>
+            </a:extLst>
+          </p:cNvPr>
+          <p:cNvPicPr>
+            <a:picLocks noChangeAspect="1" noChangeArrowheads="1"/>
+          </p:cNvPicPr>
+          <p:nvPr/>
+        </p:nvPicPr>
+        <p:blipFill rotWithShape="1">
+          <a:blip r:embed="rId2">
+            <a:extLst>
+              <a:ext uri="{28A0092B-C50C-407E-A947-70E740481C1C}">
+                <a14:useLocalDpi xmlns:a14="http://schemas.microsoft.com/office/drawing/2010/main" val="0"/>
+              </a:ext>
+            </a:extLst>
+          </a:blip>
+          <a:srcRect t="26128"/>
+          <a:stretch>
+            <a:fillRect/>
+          </a:stretch>
+        </p:blipFill>
+        <p:spPr bwMode="auto">
+          <a:xfrm>
+            <a:off x="-419330" y="5016457"/>
+            <a:ext cx="2181198" cy="1089497"/>
+          </a:xfrm>
+          <a:prstGeom prst="rect">
+            <a:avLst/>
+          </a:prstGeom>
+          <a:noFill/>
+          <a:extLst>
+            <a:ext uri="{909E8E84-426E-40DD-AFC4-6F175D3DCCD1}">
+              <a14:hiddenFill xmlns:a14="http://schemas.microsoft.com/office/drawing/2010/main">
+                <a:solidFill>
+                  <a:srgbClr val="FFFFFF"/>
+                </a:solidFill>
+              </a14:hiddenFill>
+            </a:ext>
+          </a:extLst>
+        </p:spPr>
+      </p:pic>
+      <p:pic>
+        <p:nvPicPr>
+          <p:cNvPr id="11" name="Picture 6" descr="A Simplified, Yet Complex Solution (221B Baker Street) – Northern Dice">
+            <a:extLst>
+              <a:ext uri="{FF2B5EF4-FFF2-40B4-BE49-F238E27FC236}">
+                <a16:creationId xmlns:a16="http://schemas.microsoft.com/office/drawing/2014/main" id="{6348CE7A-2A5A-949D-832D-6C30EE2F17E2}"/>
+              </a:ext>
+            </a:extLst>
+          </p:cNvPr>
+          <p:cNvPicPr>
+            <a:picLocks noChangeAspect="1" noChangeArrowheads="1"/>
+          </p:cNvPicPr>
+          <p:nvPr/>
+        </p:nvPicPr>
+        <p:blipFill rotWithShape="1">
+          <a:blip r:embed="rId2">
+            <a:extLst>
+              <a:ext uri="{28A0092B-C50C-407E-A947-70E740481C1C}">
+                <a14:useLocalDpi xmlns:a14="http://schemas.microsoft.com/office/drawing/2010/main" val="0"/>
+              </a:ext>
+            </a:extLst>
+          </a:blip>
+          <a:srcRect t="26128"/>
+          <a:stretch>
+            <a:fillRect/>
+          </a:stretch>
+        </p:blipFill>
+        <p:spPr bwMode="auto">
+          <a:xfrm>
+            <a:off x="6096000" y="5016457"/>
+            <a:ext cx="2181198" cy="1089497"/>
+          </a:xfrm>
+          <a:prstGeom prst="rect">
+            <a:avLst/>
+          </a:prstGeom>
+          <a:noFill/>
+          <a:extLst>
+            <a:ext uri="{909E8E84-426E-40DD-AFC4-6F175D3DCCD1}">
+              <a14:hiddenFill xmlns:a14="http://schemas.microsoft.com/office/drawing/2010/main">
+                <a:solidFill>
+                  <a:srgbClr val="FFFFFF"/>
+                </a:solidFill>
+              </a14:hiddenFill>
+            </a:ext>
+          </a:extLst>
+        </p:spPr>
+      </p:pic>
+      <p:pic>
+        <p:nvPicPr>
+          <p:cNvPr id="12" name="Picture 11" descr="A Simplified, Yet Complex Solution (221B Baker Street) – Northern Dice">
+            <a:extLst>
+              <a:ext uri="{FF2B5EF4-FFF2-40B4-BE49-F238E27FC236}">
+                <a16:creationId xmlns:a16="http://schemas.microsoft.com/office/drawing/2014/main" id="{0E30DA0D-7213-8EF5-F27A-2AABC3AFA4E8}"/>
+              </a:ext>
+            </a:extLst>
+          </p:cNvPr>
+          <p:cNvPicPr>
+            <a:picLocks noChangeAspect="1" noChangeArrowheads="1"/>
+          </p:cNvPicPr>
+          <p:nvPr/>
+        </p:nvPicPr>
+        <p:blipFill rotWithShape="1">
+          <a:blip r:embed="rId2">
+            <a:extLst>
+              <a:ext uri="{28A0092B-C50C-407E-A947-70E740481C1C}">
+                <a14:useLocalDpi xmlns:a14="http://schemas.microsoft.com/office/drawing/2010/main" val="0"/>
+              </a:ext>
+            </a:extLst>
+          </a:blip>
+          <a:srcRect t="26128"/>
+          <a:stretch>
+            <a:fillRect/>
+          </a:stretch>
+        </p:blipFill>
+        <p:spPr bwMode="auto">
+          <a:xfrm>
+            <a:off x="3914802" y="5016457"/>
+            <a:ext cx="2181198" cy="1089497"/>
+          </a:xfrm>
+          <a:prstGeom prst="rect">
+            <a:avLst/>
+          </a:prstGeom>
+          <a:noFill/>
+          <a:extLst>
+            <a:ext uri="{909E8E84-426E-40DD-AFC4-6F175D3DCCD1}">
+              <a14:hiddenFill xmlns:a14="http://schemas.microsoft.com/office/drawing/2010/main">
+                <a:solidFill>
+                  <a:srgbClr val="FFFFFF"/>
+                </a:solidFill>
+              </a14:hiddenFill>
+            </a:ext>
+          </a:extLst>
+        </p:spPr>
+      </p:pic>
+      <p:pic>
+        <p:nvPicPr>
+          <p:cNvPr id="13" name="Picture 6" descr="A Simplified, Yet Complex Solution (221B Baker Street) – Northern Dice">
+            <a:extLst>
+              <a:ext uri="{FF2B5EF4-FFF2-40B4-BE49-F238E27FC236}">
+                <a16:creationId xmlns:a16="http://schemas.microsoft.com/office/drawing/2014/main" id="{DA6E6ADD-1F31-501F-EA22-6A89DAD1FE34}"/>
+              </a:ext>
+            </a:extLst>
+          </p:cNvPr>
+          <p:cNvPicPr>
+            <a:picLocks noChangeAspect="1" noChangeArrowheads="1"/>
+          </p:cNvPicPr>
+          <p:nvPr/>
+        </p:nvPicPr>
+        <p:blipFill rotWithShape="1">
+          <a:blip r:embed="rId2">
+            <a:extLst>
+              <a:ext uri="{28A0092B-C50C-407E-A947-70E740481C1C}">
+                <a14:useLocalDpi xmlns:a14="http://schemas.microsoft.com/office/drawing/2010/main" val="0"/>
+              </a:ext>
+            </a:extLst>
+          </a:blip>
+          <a:srcRect t="26128"/>
+          <a:stretch>
+            <a:fillRect/>
+          </a:stretch>
+        </p:blipFill>
+        <p:spPr bwMode="auto">
+          <a:xfrm>
+            <a:off x="1747736" y="5016455"/>
+            <a:ext cx="2181198" cy="1089497"/>
+          </a:xfrm>
+          <a:prstGeom prst="rect">
+            <a:avLst/>
+          </a:prstGeom>
+          <a:noFill/>
+          <a:extLst>
+            <a:ext uri="{909E8E84-426E-40DD-AFC4-6F175D3DCCD1}">
+              <a14:hiddenFill xmlns:a14="http://schemas.microsoft.com/office/drawing/2010/main">
+                <a:solidFill>
+                  <a:srgbClr val="FFFFFF"/>
+                </a:solidFill>
+              </a14:hiddenFill>
+            </a:ext>
+          </a:extLst>
+        </p:spPr>
+      </p:pic>
+      <p:pic>
+        <p:nvPicPr>
+          <p:cNvPr id="14" name="Picture 6" descr="A Simplified, Yet Complex Solution (221B Baker Street) – Northern Dice">
+            <a:extLst>
+              <a:ext uri="{FF2B5EF4-FFF2-40B4-BE49-F238E27FC236}">
+                <a16:creationId xmlns:a16="http://schemas.microsoft.com/office/drawing/2014/main" id="{9C45F920-2491-C14C-5D54-02B06A8EDF84}"/>
+              </a:ext>
+            </a:extLst>
+          </p:cNvPr>
+          <p:cNvPicPr>
+            <a:picLocks noChangeAspect="1" noChangeArrowheads="1"/>
+          </p:cNvPicPr>
+          <p:nvPr/>
+        </p:nvPicPr>
+        <p:blipFill rotWithShape="1">
+          <a:blip r:embed="rId2">
+            <a:extLst>
+              <a:ext uri="{28A0092B-C50C-407E-A947-70E740481C1C}">
+                <a14:useLocalDpi xmlns:a14="http://schemas.microsoft.com/office/drawing/2010/main" val="0"/>
+              </a:ext>
+            </a:extLst>
+          </a:blip>
+          <a:srcRect t="26128"/>
+          <a:stretch>
+            <a:fillRect/>
+          </a:stretch>
+        </p:blipFill>
+        <p:spPr bwMode="auto">
+          <a:xfrm>
+            <a:off x="8248934" y="5016454"/>
+            <a:ext cx="2181198" cy="1089497"/>
+          </a:xfrm>
+          <a:prstGeom prst="rect">
+            <a:avLst/>
+          </a:prstGeom>
+          <a:noFill/>
+          <a:extLst>
+            <a:ext uri="{909E8E84-426E-40DD-AFC4-6F175D3DCCD1}">
+              <a14:hiddenFill xmlns:a14="http://schemas.microsoft.com/office/drawing/2010/main">
+                <a:solidFill>
+                  <a:srgbClr val="FFFFFF"/>
+                </a:solidFill>
+              </a14:hiddenFill>
+            </a:ext>
+          </a:extLst>
+        </p:spPr>
+      </p:pic>
+      <p:pic>
+        <p:nvPicPr>
+          <p:cNvPr id="15" name="Picture 6" descr="A Simplified, Yet Complex Solution (221B Baker Street) – Northern Dice">
+            <a:extLst>
+              <a:ext uri="{FF2B5EF4-FFF2-40B4-BE49-F238E27FC236}">
+                <a16:creationId xmlns:a16="http://schemas.microsoft.com/office/drawing/2014/main" id="{4EBB5A06-7759-0087-1E86-E6C1F0020BB0}"/>
+              </a:ext>
+            </a:extLst>
+          </p:cNvPr>
+          <p:cNvPicPr>
+            <a:picLocks noChangeAspect="1" noChangeArrowheads="1"/>
+          </p:cNvPicPr>
+          <p:nvPr/>
+        </p:nvPicPr>
+        <p:blipFill rotWithShape="1">
+          <a:blip r:embed="rId2">
+            <a:extLst>
+              <a:ext uri="{28A0092B-C50C-407E-A947-70E740481C1C}">
+                <a14:useLocalDpi xmlns:a14="http://schemas.microsoft.com/office/drawing/2010/main" val="0"/>
+              </a:ext>
+            </a:extLst>
+          </a:blip>
+          <a:srcRect t="26128"/>
+          <a:stretch>
+            <a:fillRect/>
+          </a:stretch>
+        </p:blipFill>
+        <p:spPr bwMode="auto">
+          <a:xfrm>
+            <a:off x="10401868" y="5016457"/>
+            <a:ext cx="2181198" cy="1089497"/>
+          </a:xfrm>
+          <a:prstGeom prst="rect">
+            <a:avLst/>
+          </a:prstGeom>
+          <a:noFill/>
+          <a:extLst>
+            <a:ext uri="{909E8E84-426E-40DD-AFC4-6F175D3DCCD1}">
+              <a14:hiddenFill xmlns:a14="http://schemas.microsoft.com/office/drawing/2010/main">
+                <a:solidFill>
+                  <a:srgbClr val="FFFFFF"/>
+                </a:solidFill>
+              </a14:hiddenFill>
+            </a:ext>
+          </a:extLst>
+        </p:spPr>
+      </p:pic>
+      <p:pic>
+        <p:nvPicPr>
+          <p:cNvPr id="16" name="Picture 6" descr="A Simplified, Yet Complex Solution (221B Baker Street) – Northern Dice">
+            <a:extLst>
+              <a:ext uri="{FF2B5EF4-FFF2-40B4-BE49-F238E27FC236}">
+                <a16:creationId xmlns:a16="http://schemas.microsoft.com/office/drawing/2014/main" id="{21CCD2F3-1BC8-BD28-C407-D432ED06BFCB}"/>
+              </a:ext>
+            </a:extLst>
+          </p:cNvPr>
+          <p:cNvPicPr>
+            <a:picLocks noChangeAspect="1" noChangeArrowheads="1"/>
+          </p:cNvPicPr>
+          <p:nvPr/>
+        </p:nvPicPr>
+        <p:blipFill rotWithShape="1">
+          <a:blip r:embed="rId2">
+            <a:extLst>
+              <a:ext uri="{28A0092B-C50C-407E-A947-70E740481C1C}">
+                <a14:useLocalDpi xmlns:a14="http://schemas.microsoft.com/office/drawing/2010/main" val="0"/>
+              </a:ext>
+            </a:extLst>
+          </a:blip>
+          <a:srcRect t="26128"/>
+          <a:stretch>
+            <a:fillRect/>
+          </a:stretch>
+        </p:blipFill>
+        <p:spPr bwMode="auto">
+          <a:xfrm>
+            <a:off x="-391065" y="3926952"/>
+            <a:ext cx="2181198" cy="1089497"/>
+          </a:xfrm>
+          <a:prstGeom prst="rect">
+            <a:avLst/>
+          </a:prstGeom>
+          <a:noFill/>
+          <a:extLst>
+            <a:ext uri="{909E8E84-426E-40DD-AFC4-6F175D3DCCD1}">
+              <a14:hiddenFill xmlns:a14="http://schemas.microsoft.com/office/drawing/2010/main">
+                <a:solidFill>
+                  <a:srgbClr val="FFFFFF"/>
+                </a:solidFill>
+              </a14:hiddenFill>
+            </a:ext>
+          </a:extLst>
+        </p:spPr>
+      </p:pic>
+      <p:pic>
+        <p:nvPicPr>
+          <p:cNvPr id="17" name="Picture 6" descr="A Simplified, Yet Complex Solution (221B Baker Street) – Northern Dice">
+            <a:extLst>
+              <a:ext uri="{FF2B5EF4-FFF2-40B4-BE49-F238E27FC236}">
+                <a16:creationId xmlns:a16="http://schemas.microsoft.com/office/drawing/2014/main" id="{00C38E31-16AB-0A94-B69D-636A21FFA50C}"/>
+              </a:ext>
+            </a:extLst>
+          </p:cNvPr>
+          <p:cNvPicPr>
+            <a:picLocks noChangeAspect="1" noChangeArrowheads="1"/>
+          </p:cNvPicPr>
+          <p:nvPr/>
+        </p:nvPicPr>
+        <p:blipFill rotWithShape="1">
+          <a:blip r:embed="rId2">
+            <a:extLst>
+              <a:ext uri="{28A0092B-C50C-407E-A947-70E740481C1C}">
+                <a14:useLocalDpi xmlns:a14="http://schemas.microsoft.com/office/drawing/2010/main" val="0"/>
+              </a:ext>
+            </a:extLst>
+          </a:blip>
+          <a:srcRect t="26128"/>
+          <a:stretch>
+            <a:fillRect/>
+          </a:stretch>
+        </p:blipFill>
+        <p:spPr bwMode="auto">
+          <a:xfrm>
+            <a:off x="6124265" y="3926952"/>
+            <a:ext cx="2181198" cy="1089497"/>
+          </a:xfrm>
+          <a:prstGeom prst="rect">
+            <a:avLst/>
+          </a:prstGeom>
+          <a:noFill/>
+          <a:extLst>
+            <a:ext uri="{909E8E84-426E-40DD-AFC4-6F175D3DCCD1}">
+              <a14:hiddenFill xmlns:a14="http://schemas.microsoft.com/office/drawing/2010/main">
+                <a:solidFill>
+                  <a:srgbClr val="FFFFFF"/>
+                </a:solidFill>
+              </a14:hiddenFill>
+            </a:ext>
+          </a:extLst>
+        </p:spPr>
+      </p:pic>
+      <p:pic>
+        <p:nvPicPr>
+          <p:cNvPr id="18" name="Picture 17" descr="A Simplified, Yet Complex Solution (221B Baker Street) – Northern Dice">
+            <a:extLst>
+              <a:ext uri="{FF2B5EF4-FFF2-40B4-BE49-F238E27FC236}">
+                <a16:creationId xmlns:a16="http://schemas.microsoft.com/office/drawing/2014/main" id="{B465E034-A146-FC4E-1543-C34801091609}"/>
+              </a:ext>
+            </a:extLst>
+          </p:cNvPr>
+          <p:cNvPicPr>
+            <a:picLocks noChangeAspect="1" noChangeArrowheads="1"/>
+          </p:cNvPicPr>
+          <p:nvPr/>
+        </p:nvPicPr>
+        <p:blipFill rotWithShape="1">
+          <a:blip r:embed="rId2">
+            <a:extLst>
+              <a:ext uri="{28A0092B-C50C-407E-A947-70E740481C1C}">
+                <a14:useLocalDpi xmlns:a14="http://schemas.microsoft.com/office/drawing/2010/main" val="0"/>
+              </a:ext>
+            </a:extLst>
+          </a:blip>
+          <a:srcRect t="26128"/>
+          <a:stretch>
+            <a:fillRect/>
+          </a:stretch>
+        </p:blipFill>
+        <p:spPr bwMode="auto">
+          <a:xfrm>
+            <a:off x="3943067" y="3926952"/>
+            <a:ext cx="2181198" cy="1089497"/>
+          </a:xfrm>
+          <a:prstGeom prst="rect">
+            <a:avLst/>
+          </a:prstGeom>
+          <a:noFill/>
+          <a:extLst>
+            <a:ext uri="{909E8E84-426E-40DD-AFC4-6F175D3DCCD1}">
+              <a14:hiddenFill xmlns:a14="http://schemas.microsoft.com/office/drawing/2010/main">
+                <a:solidFill>
+                  <a:srgbClr val="FFFFFF"/>
+                </a:solidFill>
+              </a14:hiddenFill>
+            </a:ext>
+          </a:extLst>
+        </p:spPr>
+      </p:pic>
+      <p:pic>
+        <p:nvPicPr>
+          <p:cNvPr id="19" name="Picture 6" descr="A Simplified, Yet Complex Solution (221B Baker Street) – Northern Dice">
+            <a:extLst>
+              <a:ext uri="{FF2B5EF4-FFF2-40B4-BE49-F238E27FC236}">
+                <a16:creationId xmlns:a16="http://schemas.microsoft.com/office/drawing/2014/main" id="{D8C83299-48F2-1C9F-C65B-E8A2768ACBA1}"/>
+              </a:ext>
+            </a:extLst>
+          </p:cNvPr>
+          <p:cNvPicPr>
+            <a:picLocks noChangeAspect="1" noChangeArrowheads="1"/>
+          </p:cNvPicPr>
+          <p:nvPr/>
+        </p:nvPicPr>
+        <p:blipFill rotWithShape="1">
+          <a:blip r:embed="rId2">
+            <a:extLst>
+              <a:ext uri="{28A0092B-C50C-407E-A947-70E740481C1C}">
+                <a14:useLocalDpi xmlns:a14="http://schemas.microsoft.com/office/drawing/2010/main" val="0"/>
+              </a:ext>
+            </a:extLst>
+          </a:blip>
+          <a:srcRect t="26128"/>
+          <a:stretch>
+            <a:fillRect/>
+          </a:stretch>
+        </p:blipFill>
+        <p:spPr bwMode="auto">
+          <a:xfrm>
+            <a:off x="1776001" y="3926950"/>
+            <a:ext cx="2181198" cy="1089497"/>
+          </a:xfrm>
+          <a:prstGeom prst="rect">
+            <a:avLst/>
+          </a:prstGeom>
+          <a:noFill/>
+          <a:extLst>
+            <a:ext uri="{909E8E84-426E-40DD-AFC4-6F175D3DCCD1}">
+              <a14:hiddenFill xmlns:a14="http://schemas.microsoft.com/office/drawing/2010/main">
+                <a:solidFill>
+                  <a:srgbClr val="FFFFFF"/>
+                </a:solidFill>
+              </a14:hiddenFill>
+            </a:ext>
+          </a:extLst>
+        </p:spPr>
+      </p:pic>
+      <p:pic>
+        <p:nvPicPr>
+          <p:cNvPr id="20" name="Picture 6" descr="A Simplified, Yet Complex Solution (221B Baker Street) – Northern Dice">
+            <a:extLst>
+              <a:ext uri="{FF2B5EF4-FFF2-40B4-BE49-F238E27FC236}">
+                <a16:creationId xmlns:a16="http://schemas.microsoft.com/office/drawing/2014/main" id="{EA34D482-D5D6-A6F6-610F-44D4877A69AA}"/>
+              </a:ext>
+            </a:extLst>
+          </p:cNvPr>
+          <p:cNvPicPr>
+            <a:picLocks noChangeAspect="1" noChangeArrowheads="1"/>
+          </p:cNvPicPr>
+          <p:nvPr/>
+        </p:nvPicPr>
+        <p:blipFill rotWithShape="1">
+          <a:blip r:embed="rId2">
+            <a:extLst>
+              <a:ext uri="{28A0092B-C50C-407E-A947-70E740481C1C}">
+                <a14:useLocalDpi xmlns:a14="http://schemas.microsoft.com/office/drawing/2010/main" val="0"/>
+              </a:ext>
+            </a:extLst>
+          </a:blip>
+          <a:srcRect t="26128"/>
+          <a:stretch>
+            <a:fillRect/>
+          </a:stretch>
+        </p:blipFill>
+        <p:spPr bwMode="auto">
+          <a:xfrm>
+            <a:off x="8277199" y="3926949"/>
+            <a:ext cx="2181198" cy="1089497"/>
+          </a:xfrm>
+          <a:prstGeom prst="rect">
+            <a:avLst/>
+          </a:prstGeom>
+          <a:noFill/>
+          <a:extLst>
+            <a:ext uri="{909E8E84-426E-40DD-AFC4-6F175D3DCCD1}">
+              <a14:hiddenFill xmlns:a14="http://schemas.microsoft.com/office/drawing/2010/main">
+                <a:solidFill>
+                  <a:srgbClr val="FFFFFF"/>
+                </a:solidFill>
+              </a14:hiddenFill>
+            </a:ext>
+          </a:extLst>
+        </p:spPr>
+      </p:pic>
+      <p:pic>
+        <p:nvPicPr>
+          <p:cNvPr id="21" name="Picture 6" descr="A Simplified, Yet Complex Solution (221B Baker Street) – Northern Dice">
+            <a:extLst>
+              <a:ext uri="{FF2B5EF4-FFF2-40B4-BE49-F238E27FC236}">
+                <a16:creationId xmlns:a16="http://schemas.microsoft.com/office/drawing/2014/main" id="{8AEB87EB-9BB5-00BA-489A-F9BDE59EA77B}"/>
+              </a:ext>
+            </a:extLst>
+          </p:cNvPr>
+          <p:cNvPicPr>
+            <a:picLocks noChangeAspect="1" noChangeArrowheads="1"/>
+          </p:cNvPicPr>
+          <p:nvPr/>
+        </p:nvPicPr>
+        <p:blipFill rotWithShape="1">
+          <a:blip r:embed="rId2">
+            <a:extLst>
+              <a:ext uri="{28A0092B-C50C-407E-A947-70E740481C1C}">
+                <a14:useLocalDpi xmlns:a14="http://schemas.microsoft.com/office/drawing/2010/main" val="0"/>
+              </a:ext>
+            </a:extLst>
+          </a:blip>
+          <a:srcRect t="26128"/>
+          <a:stretch>
+            <a:fillRect/>
+          </a:stretch>
+        </p:blipFill>
+        <p:spPr bwMode="auto">
+          <a:xfrm>
+            <a:off x="10430133" y="3926952"/>
+            <a:ext cx="2181198" cy="1089497"/>
+          </a:xfrm>
+          <a:prstGeom prst="rect">
+            <a:avLst/>
+          </a:prstGeom>
+          <a:noFill/>
+          <a:extLst>
+            <a:ext uri="{909E8E84-426E-40DD-AFC4-6F175D3DCCD1}">
+              <a14:hiddenFill xmlns:a14="http://schemas.microsoft.com/office/drawing/2010/main">
+                <a:solidFill>
+                  <a:srgbClr val="FFFFFF"/>
+                </a:solidFill>
+              </a14:hiddenFill>
+            </a:ext>
+          </a:extLst>
+        </p:spPr>
+      </p:pic>
+      <p:pic>
+        <p:nvPicPr>
+          <p:cNvPr id="22" name="Picture 6" descr="A Simplified, Yet Complex Solution (221B Baker Street) – Northern Dice">
+            <a:extLst>
+              <a:ext uri="{FF2B5EF4-FFF2-40B4-BE49-F238E27FC236}">
+                <a16:creationId xmlns:a16="http://schemas.microsoft.com/office/drawing/2014/main" id="{7BEEB4D8-EDE5-CD10-A2E4-C8A8007704F8}"/>
+              </a:ext>
+            </a:extLst>
+          </p:cNvPr>
+          <p:cNvPicPr>
+            <a:picLocks noChangeAspect="1" noChangeArrowheads="1"/>
+          </p:cNvPicPr>
+          <p:nvPr/>
+        </p:nvPicPr>
+        <p:blipFill rotWithShape="1">
+          <a:blip r:embed="rId2">
+            <a:extLst>
+              <a:ext uri="{28A0092B-C50C-407E-A947-70E740481C1C}">
+                <a14:useLocalDpi xmlns:a14="http://schemas.microsoft.com/office/drawing/2010/main" val="0"/>
+              </a:ext>
+            </a:extLst>
+          </a:blip>
+          <a:srcRect t="26128"/>
+          <a:stretch>
+            <a:fillRect/>
+          </a:stretch>
+        </p:blipFill>
+        <p:spPr bwMode="auto">
+          <a:xfrm>
+            <a:off x="-419330" y="2837438"/>
+            <a:ext cx="2181198" cy="1089497"/>
+          </a:xfrm>
+          <a:prstGeom prst="rect">
+            <a:avLst/>
+          </a:prstGeom>
+          <a:noFill/>
+          <a:extLst>
+            <a:ext uri="{909E8E84-426E-40DD-AFC4-6F175D3DCCD1}">
+              <a14:hiddenFill xmlns:a14="http://schemas.microsoft.com/office/drawing/2010/main">
+                <a:solidFill>
+                  <a:srgbClr val="FFFFFF"/>
+                </a:solidFill>
+              </a14:hiddenFill>
+            </a:ext>
+          </a:extLst>
+        </p:spPr>
+      </p:pic>
+      <p:pic>
+        <p:nvPicPr>
+          <p:cNvPr id="23" name="Picture 6" descr="A Simplified, Yet Complex Solution (221B Baker Street) – Northern Dice">
+            <a:extLst>
+              <a:ext uri="{FF2B5EF4-FFF2-40B4-BE49-F238E27FC236}">
+                <a16:creationId xmlns:a16="http://schemas.microsoft.com/office/drawing/2014/main" id="{1A78B6DE-1FCE-7EC7-C5EF-F024991E5879}"/>
+              </a:ext>
+            </a:extLst>
+          </p:cNvPr>
+          <p:cNvPicPr>
+            <a:picLocks noChangeAspect="1" noChangeArrowheads="1"/>
+          </p:cNvPicPr>
+          <p:nvPr/>
+        </p:nvPicPr>
+        <p:blipFill rotWithShape="1">
+          <a:blip r:embed="rId2">
+            <a:extLst>
+              <a:ext uri="{28A0092B-C50C-407E-A947-70E740481C1C}">
+                <a14:useLocalDpi xmlns:a14="http://schemas.microsoft.com/office/drawing/2010/main" val="0"/>
+              </a:ext>
+            </a:extLst>
+          </a:blip>
+          <a:srcRect t="26128"/>
+          <a:stretch>
+            <a:fillRect/>
+          </a:stretch>
+        </p:blipFill>
+        <p:spPr bwMode="auto">
+          <a:xfrm>
+            <a:off x="6096000" y="2837438"/>
+            <a:ext cx="2181198" cy="1089497"/>
+          </a:xfrm>
+          <a:prstGeom prst="rect">
+            <a:avLst/>
+          </a:prstGeom>
+          <a:noFill/>
+          <a:extLst>
+            <a:ext uri="{909E8E84-426E-40DD-AFC4-6F175D3DCCD1}">
+              <a14:hiddenFill xmlns:a14="http://schemas.microsoft.com/office/drawing/2010/main">
+                <a:solidFill>
+                  <a:srgbClr val="FFFFFF"/>
+                </a:solidFill>
+              </a14:hiddenFill>
+            </a:ext>
+          </a:extLst>
+        </p:spPr>
+      </p:pic>
+      <p:pic>
+        <p:nvPicPr>
+          <p:cNvPr id="24" name="Picture 23" descr="A Simplified, Yet Complex Solution (221B Baker Street) – Northern Dice">
+            <a:extLst>
+              <a:ext uri="{FF2B5EF4-FFF2-40B4-BE49-F238E27FC236}">
+                <a16:creationId xmlns:a16="http://schemas.microsoft.com/office/drawing/2014/main" id="{40AFF3E3-CE86-32C1-F940-43AA1A729487}"/>
+              </a:ext>
+            </a:extLst>
+          </p:cNvPr>
+          <p:cNvPicPr>
+            <a:picLocks noChangeAspect="1" noChangeArrowheads="1"/>
+          </p:cNvPicPr>
+          <p:nvPr/>
+        </p:nvPicPr>
+        <p:blipFill rotWithShape="1">
+          <a:blip r:embed="rId2">
+            <a:extLst>
+              <a:ext uri="{28A0092B-C50C-407E-A947-70E740481C1C}">
+                <a14:useLocalDpi xmlns:a14="http://schemas.microsoft.com/office/drawing/2010/main" val="0"/>
+              </a:ext>
+            </a:extLst>
+          </a:blip>
+          <a:srcRect t="26128"/>
+          <a:stretch>
+            <a:fillRect/>
+          </a:stretch>
+        </p:blipFill>
+        <p:spPr bwMode="auto">
+          <a:xfrm>
+            <a:off x="3914802" y="2837438"/>
+            <a:ext cx="2181198" cy="1089497"/>
+          </a:xfrm>
+          <a:prstGeom prst="rect">
+            <a:avLst/>
+          </a:prstGeom>
+          <a:noFill/>
+          <a:extLst>
+            <a:ext uri="{909E8E84-426E-40DD-AFC4-6F175D3DCCD1}">
+              <a14:hiddenFill xmlns:a14="http://schemas.microsoft.com/office/drawing/2010/main">
+                <a:solidFill>
+                  <a:srgbClr val="FFFFFF"/>
+                </a:solidFill>
+              </a14:hiddenFill>
+            </a:ext>
+          </a:extLst>
+        </p:spPr>
+      </p:pic>
+      <p:pic>
+        <p:nvPicPr>
+          <p:cNvPr id="25" name="Picture 6" descr="A Simplified, Yet Complex Solution (221B Baker Street) – Northern Dice">
+            <a:extLst>
+              <a:ext uri="{FF2B5EF4-FFF2-40B4-BE49-F238E27FC236}">
+                <a16:creationId xmlns:a16="http://schemas.microsoft.com/office/drawing/2014/main" id="{FEB6DE6E-1491-1DEA-FC2D-990F5204D87E}"/>
+              </a:ext>
+            </a:extLst>
+          </p:cNvPr>
+          <p:cNvPicPr>
+            <a:picLocks noChangeAspect="1" noChangeArrowheads="1"/>
+          </p:cNvPicPr>
+          <p:nvPr/>
+        </p:nvPicPr>
+        <p:blipFill rotWithShape="1">
+          <a:blip r:embed="rId2">
+            <a:extLst>
+              <a:ext uri="{28A0092B-C50C-407E-A947-70E740481C1C}">
+                <a14:useLocalDpi xmlns:a14="http://schemas.microsoft.com/office/drawing/2010/main" val="0"/>
+              </a:ext>
+            </a:extLst>
+          </a:blip>
+          <a:srcRect t="26128"/>
+          <a:stretch>
+            <a:fillRect/>
+          </a:stretch>
+        </p:blipFill>
+        <p:spPr bwMode="auto">
+          <a:xfrm>
+            <a:off x="1747736" y="2837436"/>
+            <a:ext cx="2181198" cy="1089497"/>
+          </a:xfrm>
+          <a:prstGeom prst="rect">
+            <a:avLst/>
+          </a:prstGeom>
+          <a:noFill/>
+          <a:extLst>
+            <a:ext uri="{909E8E84-426E-40DD-AFC4-6F175D3DCCD1}">
+              <a14:hiddenFill xmlns:a14="http://schemas.microsoft.com/office/drawing/2010/main">
+                <a:solidFill>
+                  <a:srgbClr val="FFFFFF"/>
+                </a:solidFill>
+              </a14:hiddenFill>
+            </a:ext>
+          </a:extLst>
+        </p:spPr>
+      </p:pic>
+      <p:pic>
+        <p:nvPicPr>
+          <p:cNvPr id="26" name="Picture 6" descr="A Simplified, Yet Complex Solution (221B Baker Street) – Northern Dice">
+            <a:extLst>
+              <a:ext uri="{FF2B5EF4-FFF2-40B4-BE49-F238E27FC236}">
+                <a16:creationId xmlns:a16="http://schemas.microsoft.com/office/drawing/2014/main" id="{AA679DDA-6CAD-71CB-A0CF-071835EB2003}"/>
+              </a:ext>
+            </a:extLst>
+          </p:cNvPr>
+          <p:cNvPicPr>
+            <a:picLocks noChangeAspect="1" noChangeArrowheads="1"/>
+          </p:cNvPicPr>
+          <p:nvPr/>
+        </p:nvPicPr>
+        <p:blipFill rotWithShape="1">
+          <a:blip r:embed="rId2">
+            <a:extLst>
+              <a:ext uri="{28A0092B-C50C-407E-A947-70E740481C1C}">
+                <a14:useLocalDpi xmlns:a14="http://schemas.microsoft.com/office/drawing/2010/main" val="0"/>
+              </a:ext>
+            </a:extLst>
+          </a:blip>
+          <a:srcRect t="26128"/>
+          <a:stretch>
+            <a:fillRect/>
+          </a:stretch>
+        </p:blipFill>
+        <p:spPr bwMode="auto">
+          <a:xfrm>
+            <a:off x="8248934" y="2837435"/>
+            <a:ext cx="2181198" cy="1089497"/>
+          </a:xfrm>
+          <a:prstGeom prst="rect">
+            <a:avLst/>
+          </a:prstGeom>
+          <a:noFill/>
+          <a:extLst>
+            <a:ext uri="{909E8E84-426E-40DD-AFC4-6F175D3DCCD1}">
+              <a14:hiddenFill xmlns:a14="http://schemas.microsoft.com/office/drawing/2010/main">
+                <a:solidFill>
+                  <a:srgbClr val="FFFFFF"/>
+                </a:solidFill>
+              </a14:hiddenFill>
+            </a:ext>
+          </a:extLst>
+        </p:spPr>
+      </p:pic>
+      <p:pic>
+        <p:nvPicPr>
+          <p:cNvPr id="27" name="Picture 6" descr="A Simplified, Yet Complex Solution (221B Baker Street) – Northern Dice">
+            <a:extLst>
+              <a:ext uri="{FF2B5EF4-FFF2-40B4-BE49-F238E27FC236}">
+                <a16:creationId xmlns:a16="http://schemas.microsoft.com/office/drawing/2014/main" id="{7CD704FC-40E6-F6FD-5340-80A94B2B30DB}"/>
+              </a:ext>
+            </a:extLst>
+          </p:cNvPr>
+          <p:cNvPicPr>
+            <a:picLocks noChangeAspect="1" noChangeArrowheads="1"/>
+          </p:cNvPicPr>
+          <p:nvPr/>
+        </p:nvPicPr>
+        <p:blipFill rotWithShape="1">
+          <a:blip r:embed="rId2">
+            <a:extLst>
+              <a:ext uri="{28A0092B-C50C-407E-A947-70E740481C1C}">
+                <a14:useLocalDpi xmlns:a14="http://schemas.microsoft.com/office/drawing/2010/main" val="0"/>
+              </a:ext>
+            </a:extLst>
+          </a:blip>
+          <a:srcRect t="26128"/>
+          <a:stretch>
+            <a:fillRect/>
+          </a:stretch>
+        </p:blipFill>
+        <p:spPr bwMode="auto">
+          <a:xfrm>
+            <a:off x="10401868" y="2837438"/>
+            <a:ext cx="2181198" cy="1089497"/>
+          </a:xfrm>
+          <a:prstGeom prst="rect">
+            <a:avLst/>
+          </a:prstGeom>
+          <a:noFill/>
+          <a:extLst>
+            <a:ext uri="{909E8E84-426E-40DD-AFC4-6F175D3DCCD1}">
+              <a14:hiddenFill xmlns:a14="http://schemas.microsoft.com/office/drawing/2010/main">
+                <a:solidFill>
+                  <a:srgbClr val="FFFFFF"/>
+                </a:solidFill>
+              </a14:hiddenFill>
+            </a:ext>
+          </a:extLst>
+        </p:spPr>
+      </p:pic>
+      <p:pic>
+        <p:nvPicPr>
+          <p:cNvPr id="28" name="Picture 6" descr="A Simplified, Yet Complex Solution (221B Baker Street) – Northern Dice">
+            <a:extLst>
+              <a:ext uri="{FF2B5EF4-FFF2-40B4-BE49-F238E27FC236}">
+                <a16:creationId xmlns:a16="http://schemas.microsoft.com/office/drawing/2014/main" id="{F4FD205D-3C8F-5705-F123-09D19B509C15}"/>
+              </a:ext>
+            </a:extLst>
+          </p:cNvPr>
+          <p:cNvPicPr>
+            <a:picLocks noChangeAspect="1" noChangeArrowheads="1"/>
+          </p:cNvPicPr>
+          <p:nvPr/>
+        </p:nvPicPr>
+        <p:blipFill rotWithShape="1">
+          <a:blip r:embed="rId2">
+            <a:extLst>
+              <a:ext uri="{28A0092B-C50C-407E-A947-70E740481C1C}">
+                <a14:useLocalDpi xmlns:a14="http://schemas.microsoft.com/office/drawing/2010/main" val="0"/>
+              </a:ext>
+            </a:extLst>
+          </a:blip>
+          <a:srcRect t="26128"/>
+          <a:stretch>
+            <a:fillRect/>
+          </a:stretch>
+        </p:blipFill>
+        <p:spPr bwMode="auto">
+          <a:xfrm>
+            <a:off x="-419330" y="1747913"/>
+            <a:ext cx="2181198" cy="1089497"/>
+          </a:xfrm>
+          <a:prstGeom prst="rect">
+            <a:avLst/>
+          </a:prstGeom>
+          <a:noFill/>
+          <a:extLst>
+            <a:ext uri="{909E8E84-426E-40DD-AFC4-6F175D3DCCD1}">
+              <a14:hiddenFill xmlns:a14="http://schemas.microsoft.com/office/drawing/2010/main">
+                <a:solidFill>
+                  <a:srgbClr val="FFFFFF"/>
+                </a:solidFill>
+              </a14:hiddenFill>
+            </a:ext>
+          </a:extLst>
+        </p:spPr>
+      </p:pic>
+      <p:pic>
+        <p:nvPicPr>
+          <p:cNvPr id="29" name="Picture 6" descr="A Simplified, Yet Complex Solution (221B Baker Street) – Northern Dice">
+            <a:extLst>
+              <a:ext uri="{FF2B5EF4-FFF2-40B4-BE49-F238E27FC236}">
+                <a16:creationId xmlns:a16="http://schemas.microsoft.com/office/drawing/2014/main" id="{922083EA-5EE0-EF19-8EBA-971C96ACBBD7}"/>
+              </a:ext>
+            </a:extLst>
+          </p:cNvPr>
+          <p:cNvPicPr>
+            <a:picLocks noChangeAspect="1" noChangeArrowheads="1"/>
+          </p:cNvPicPr>
+          <p:nvPr/>
+        </p:nvPicPr>
+        <p:blipFill rotWithShape="1">
+          <a:blip r:embed="rId2">
+            <a:extLst>
+              <a:ext uri="{28A0092B-C50C-407E-A947-70E740481C1C}">
+                <a14:useLocalDpi xmlns:a14="http://schemas.microsoft.com/office/drawing/2010/main" val="0"/>
+              </a:ext>
+            </a:extLst>
+          </a:blip>
+          <a:srcRect t="26128"/>
+          <a:stretch>
+            <a:fillRect/>
+          </a:stretch>
+        </p:blipFill>
+        <p:spPr bwMode="auto">
+          <a:xfrm>
+            <a:off x="6096000" y="1747913"/>
+            <a:ext cx="2181198" cy="1089497"/>
+          </a:xfrm>
+          <a:prstGeom prst="rect">
+            <a:avLst/>
+          </a:prstGeom>
+          <a:noFill/>
+          <a:extLst>
+            <a:ext uri="{909E8E84-426E-40DD-AFC4-6F175D3DCCD1}">
+              <a14:hiddenFill xmlns:a14="http://schemas.microsoft.com/office/drawing/2010/main">
+                <a:solidFill>
+                  <a:srgbClr val="FFFFFF"/>
+                </a:solidFill>
+              </a14:hiddenFill>
+            </a:ext>
+          </a:extLst>
+        </p:spPr>
+      </p:pic>
+      <p:pic>
+        <p:nvPicPr>
+          <p:cNvPr id="30" name="Picture 29" descr="A Simplified, Yet Complex Solution (221B Baker Street) – Northern Dice">
+            <a:extLst>
+              <a:ext uri="{FF2B5EF4-FFF2-40B4-BE49-F238E27FC236}">
+                <a16:creationId xmlns:a16="http://schemas.microsoft.com/office/drawing/2014/main" id="{04AB8317-EC50-A2B0-0F87-518D3EA3DF7F}"/>
+              </a:ext>
+            </a:extLst>
+          </p:cNvPr>
+          <p:cNvPicPr>
+            <a:picLocks noChangeAspect="1" noChangeArrowheads="1"/>
+          </p:cNvPicPr>
+          <p:nvPr/>
+        </p:nvPicPr>
+        <p:blipFill rotWithShape="1">
+          <a:blip r:embed="rId2">
+            <a:extLst>
+              <a:ext uri="{28A0092B-C50C-407E-A947-70E740481C1C}">
+                <a14:useLocalDpi xmlns:a14="http://schemas.microsoft.com/office/drawing/2010/main" val="0"/>
+              </a:ext>
+            </a:extLst>
+          </a:blip>
+          <a:srcRect t="26128"/>
+          <a:stretch>
+            <a:fillRect/>
+          </a:stretch>
+        </p:blipFill>
+        <p:spPr bwMode="auto">
+          <a:xfrm>
+            <a:off x="3914802" y="1747913"/>
+            <a:ext cx="2181198" cy="1089497"/>
+          </a:xfrm>
+          <a:prstGeom prst="rect">
+            <a:avLst/>
+          </a:prstGeom>
+          <a:noFill/>
+          <a:extLst>
+            <a:ext uri="{909E8E84-426E-40DD-AFC4-6F175D3DCCD1}">
+              <a14:hiddenFill xmlns:a14="http://schemas.microsoft.com/office/drawing/2010/main">
+                <a:solidFill>
+                  <a:srgbClr val="FFFFFF"/>
+                </a:solidFill>
+              </a14:hiddenFill>
+            </a:ext>
+          </a:extLst>
+        </p:spPr>
+      </p:pic>
+      <p:pic>
+        <p:nvPicPr>
+          <p:cNvPr id="31" name="Picture 6" descr="A Simplified, Yet Complex Solution (221B Baker Street) – Northern Dice">
+            <a:extLst>
+              <a:ext uri="{FF2B5EF4-FFF2-40B4-BE49-F238E27FC236}">
+                <a16:creationId xmlns:a16="http://schemas.microsoft.com/office/drawing/2014/main" id="{9DB8ECE2-6C1D-65BB-9870-467721919752}"/>
+              </a:ext>
+            </a:extLst>
+          </p:cNvPr>
+          <p:cNvPicPr>
+            <a:picLocks noChangeAspect="1" noChangeArrowheads="1"/>
+          </p:cNvPicPr>
+          <p:nvPr/>
+        </p:nvPicPr>
+        <p:blipFill rotWithShape="1">
+          <a:blip r:embed="rId2">
+            <a:extLst>
+              <a:ext uri="{28A0092B-C50C-407E-A947-70E740481C1C}">
+                <a14:useLocalDpi xmlns:a14="http://schemas.microsoft.com/office/drawing/2010/main" val="0"/>
+              </a:ext>
+            </a:extLst>
+          </a:blip>
+          <a:srcRect t="26128"/>
+          <a:stretch>
+            <a:fillRect/>
+          </a:stretch>
+        </p:blipFill>
+        <p:spPr bwMode="auto">
+          <a:xfrm>
+            <a:off x="1747736" y="1747911"/>
+            <a:ext cx="2181198" cy="1089497"/>
+          </a:xfrm>
+          <a:prstGeom prst="rect">
+            <a:avLst/>
+          </a:prstGeom>
+          <a:noFill/>
+          <a:extLst>
+            <a:ext uri="{909E8E84-426E-40DD-AFC4-6F175D3DCCD1}">
+              <a14:hiddenFill xmlns:a14="http://schemas.microsoft.com/office/drawing/2010/main">
+                <a:solidFill>
+                  <a:srgbClr val="FFFFFF"/>
+                </a:solidFill>
+              </a14:hiddenFill>
+            </a:ext>
+          </a:extLst>
+        </p:spPr>
+      </p:pic>
+      <p:pic>
+        <p:nvPicPr>
+          <p:cNvPr id="32" name="Picture 6" descr="A Simplified, Yet Complex Solution (221B Baker Street) – Northern Dice">
+            <a:extLst>
+              <a:ext uri="{FF2B5EF4-FFF2-40B4-BE49-F238E27FC236}">
+                <a16:creationId xmlns:a16="http://schemas.microsoft.com/office/drawing/2014/main" id="{E4477AFA-370A-F07B-12EB-4747D007258D}"/>
+              </a:ext>
+            </a:extLst>
+          </p:cNvPr>
+          <p:cNvPicPr>
+            <a:picLocks noChangeAspect="1" noChangeArrowheads="1"/>
+          </p:cNvPicPr>
+          <p:nvPr/>
+        </p:nvPicPr>
+        <p:blipFill rotWithShape="1">
+          <a:blip r:embed="rId2">
+            <a:extLst>
+              <a:ext uri="{28A0092B-C50C-407E-A947-70E740481C1C}">
+                <a14:useLocalDpi xmlns:a14="http://schemas.microsoft.com/office/drawing/2010/main" val="0"/>
+              </a:ext>
+            </a:extLst>
+          </a:blip>
+          <a:srcRect t="26128"/>
+          <a:stretch>
+            <a:fillRect/>
+          </a:stretch>
+        </p:blipFill>
+        <p:spPr bwMode="auto">
+          <a:xfrm>
+            <a:off x="8248934" y="1747910"/>
+            <a:ext cx="2181198" cy="1089497"/>
+          </a:xfrm>
+          <a:prstGeom prst="rect">
+            <a:avLst/>
+          </a:prstGeom>
+          <a:noFill/>
+          <a:extLst>
+            <a:ext uri="{909E8E84-426E-40DD-AFC4-6F175D3DCCD1}">
+              <a14:hiddenFill xmlns:a14="http://schemas.microsoft.com/office/drawing/2010/main">
+                <a:solidFill>
+                  <a:srgbClr val="FFFFFF"/>
+                </a:solidFill>
+              </a14:hiddenFill>
+            </a:ext>
+          </a:extLst>
+        </p:spPr>
+      </p:pic>
+      <p:pic>
+        <p:nvPicPr>
+          <p:cNvPr id="33" name="Picture 6" descr="A Simplified, Yet Complex Solution (221B Baker Street) – Northern Dice">
+            <a:extLst>
+              <a:ext uri="{FF2B5EF4-FFF2-40B4-BE49-F238E27FC236}">
+                <a16:creationId xmlns:a16="http://schemas.microsoft.com/office/drawing/2014/main" id="{C66FB535-BAD0-9F67-08D8-222B10F8B35C}"/>
+              </a:ext>
+            </a:extLst>
+          </p:cNvPr>
+          <p:cNvPicPr>
+            <a:picLocks noChangeAspect="1" noChangeArrowheads="1"/>
+          </p:cNvPicPr>
+          <p:nvPr/>
+        </p:nvPicPr>
+        <p:blipFill rotWithShape="1">
+          <a:blip r:embed="rId2">
+            <a:extLst>
+              <a:ext uri="{28A0092B-C50C-407E-A947-70E740481C1C}">
+                <a14:useLocalDpi xmlns:a14="http://schemas.microsoft.com/office/drawing/2010/main" val="0"/>
+              </a:ext>
+            </a:extLst>
+          </a:blip>
+          <a:srcRect t="26128"/>
+          <a:stretch>
+            <a:fillRect/>
+          </a:stretch>
+        </p:blipFill>
+        <p:spPr bwMode="auto">
+          <a:xfrm>
+            <a:off x="10401868" y="1747913"/>
+            <a:ext cx="2181198" cy="1089497"/>
+          </a:xfrm>
+          <a:prstGeom prst="rect">
+            <a:avLst/>
+          </a:prstGeom>
+          <a:noFill/>
+          <a:extLst>
+            <a:ext uri="{909E8E84-426E-40DD-AFC4-6F175D3DCCD1}">
+              <a14:hiddenFill xmlns:a14="http://schemas.microsoft.com/office/drawing/2010/main">
+                <a:solidFill>
+                  <a:srgbClr val="FFFFFF"/>
+                </a:solidFill>
+              </a14:hiddenFill>
+            </a:ext>
+          </a:extLst>
+        </p:spPr>
+      </p:pic>
+      <p:pic>
+        <p:nvPicPr>
+          <p:cNvPr id="34" name="Picture 6" descr="A Simplified, Yet Complex Solution (221B Baker Street) – Northern Dice">
+            <a:extLst>
+              <a:ext uri="{FF2B5EF4-FFF2-40B4-BE49-F238E27FC236}">
+                <a16:creationId xmlns:a16="http://schemas.microsoft.com/office/drawing/2014/main" id="{B3FF2C75-B72D-BE28-69BD-919D85623EF2}"/>
+              </a:ext>
+            </a:extLst>
+          </p:cNvPr>
+          <p:cNvPicPr>
+            <a:picLocks noChangeAspect="1" noChangeArrowheads="1"/>
+          </p:cNvPicPr>
+          <p:nvPr/>
+        </p:nvPicPr>
+        <p:blipFill rotWithShape="1">
+          <a:blip r:embed="rId2">
+            <a:extLst>
+              <a:ext uri="{28A0092B-C50C-407E-A947-70E740481C1C}">
+                <a14:useLocalDpi xmlns:a14="http://schemas.microsoft.com/office/drawing/2010/main" val="0"/>
+              </a:ext>
+            </a:extLst>
+          </a:blip>
+          <a:srcRect t="26128"/>
+          <a:stretch>
+            <a:fillRect/>
+          </a:stretch>
+        </p:blipFill>
+        <p:spPr bwMode="auto">
+          <a:xfrm>
+            <a:off x="-419330" y="658385"/>
+            <a:ext cx="2181198" cy="1089497"/>
+          </a:xfrm>
+          <a:prstGeom prst="rect">
+            <a:avLst/>
+          </a:prstGeom>
+          <a:noFill/>
+          <a:extLst>
+            <a:ext uri="{909E8E84-426E-40DD-AFC4-6F175D3DCCD1}">
+              <a14:hiddenFill xmlns:a14="http://schemas.microsoft.com/office/drawing/2010/main">
+                <a:solidFill>
+                  <a:srgbClr val="FFFFFF"/>
+                </a:solidFill>
+              </a14:hiddenFill>
+            </a:ext>
+          </a:extLst>
+        </p:spPr>
+      </p:pic>
+      <p:pic>
+        <p:nvPicPr>
+          <p:cNvPr id="35" name="Picture 6" descr="A Simplified, Yet Complex Solution (221B Baker Street) – Northern Dice">
+            <a:extLst>
+              <a:ext uri="{FF2B5EF4-FFF2-40B4-BE49-F238E27FC236}">
+                <a16:creationId xmlns:a16="http://schemas.microsoft.com/office/drawing/2014/main" id="{B3702C58-EAE5-A088-F6F0-5D119EE1BA3F}"/>
+              </a:ext>
+            </a:extLst>
+          </p:cNvPr>
+          <p:cNvPicPr>
+            <a:picLocks noChangeAspect="1" noChangeArrowheads="1"/>
+          </p:cNvPicPr>
+          <p:nvPr/>
+        </p:nvPicPr>
+        <p:blipFill rotWithShape="1">
+          <a:blip r:embed="rId2">
+            <a:extLst>
+              <a:ext uri="{28A0092B-C50C-407E-A947-70E740481C1C}">
+                <a14:useLocalDpi xmlns:a14="http://schemas.microsoft.com/office/drawing/2010/main" val="0"/>
+              </a:ext>
+            </a:extLst>
+          </a:blip>
+          <a:srcRect t="26128"/>
+          <a:stretch>
+            <a:fillRect/>
+          </a:stretch>
+        </p:blipFill>
+        <p:spPr bwMode="auto">
+          <a:xfrm>
+            <a:off x="6096000" y="658385"/>
+            <a:ext cx="2181198" cy="1089497"/>
+          </a:xfrm>
+          <a:prstGeom prst="rect">
+            <a:avLst/>
+          </a:prstGeom>
+          <a:noFill/>
+          <a:extLst>
+            <a:ext uri="{909E8E84-426E-40DD-AFC4-6F175D3DCCD1}">
+              <a14:hiddenFill xmlns:a14="http://schemas.microsoft.com/office/drawing/2010/main">
+                <a:solidFill>
+                  <a:srgbClr val="FFFFFF"/>
+                </a:solidFill>
+              </a14:hiddenFill>
+            </a:ext>
+          </a:extLst>
+        </p:spPr>
+      </p:pic>
+      <p:pic>
+        <p:nvPicPr>
+          <p:cNvPr id="36" name="Picture 35" descr="A Simplified, Yet Complex Solution (221B Baker Street) – Northern Dice">
+            <a:extLst>
+              <a:ext uri="{FF2B5EF4-FFF2-40B4-BE49-F238E27FC236}">
+                <a16:creationId xmlns:a16="http://schemas.microsoft.com/office/drawing/2014/main" id="{2E5C1FF5-5286-5927-5780-B977B1F45548}"/>
+              </a:ext>
+            </a:extLst>
+          </p:cNvPr>
+          <p:cNvPicPr>
+            <a:picLocks noChangeAspect="1" noChangeArrowheads="1"/>
+          </p:cNvPicPr>
+          <p:nvPr/>
+        </p:nvPicPr>
+        <p:blipFill rotWithShape="1">
+          <a:blip r:embed="rId2">
+            <a:extLst>
+              <a:ext uri="{28A0092B-C50C-407E-A947-70E740481C1C}">
+                <a14:useLocalDpi xmlns:a14="http://schemas.microsoft.com/office/drawing/2010/main" val="0"/>
+              </a:ext>
+            </a:extLst>
+          </a:blip>
+          <a:srcRect t="26128"/>
+          <a:stretch>
+            <a:fillRect/>
+          </a:stretch>
+        </p:blipFill>
+        <p:spPr bwMode="auto">
+          <a:xfrm>
+            <a:off x="3914802" y="658385"/>
+            <a:ext cx="2181198" cy="1089497"/>
+          </a:xfrm>
+          <a:prstGeom prst="rect">
+            <a:avLst/>
+          </a:prstGeom>
+          <a:noFill/>
+          <a:extLst>
+            <a:ext uri="{909E8E84-426E-40DD-AFC4-6F175D3DCCD1}">
+              <a14:hiddenFill xmlns:a14="http://schemas.microsoft.com/office/drawing/2010/main">
+                <a:solidFill>
+                  <a:srgbClr val="FFFFFF"/>
+                </a:solidFill>
+              </a14:hiddenFill>
+            </a:ext>
+          </a:extLst>
+        </p:spPr>
+      </p:pic>
+      <p:pic>
+        <p:nvPicPr>
+          <p:cNvPr id="37" name="Picture 6" descr="A Simplified, Yet Complex Solution (221B Baker Street) – Northern Dice">
+            <a:extLst>
+              <a:ext uri="{FF2B5EF4-FFF2-40B4-BE49-F238E27FC236}">
+                <a16:creationId xmlns:a16="http://schemas.microsoft.com/office/drawing/2014/main" id="{259897B4-6360-DADD-D4D4-BF54D63E660E}"/>
+              </a:ext>
+            </a:extLst>
+          </p:cNvPr>
+          <p:cNvPicPr>
+            <a:picLocks noChangeAspect="1" noChangeArrowheads="1"/>
+          </p:cNvPicPr>
+          <p:nvPr/>
+        </p:nvPicPr>
+        <p:blipFill rotWithShape="1">
+          <a:blip r:embed="rId2">
+            <a:extLst>
+              <a:ext uri="{28A0092B-C50C-407E-A947-70E740481C1C}">
+                <a14:useLocalDpi xmlns:a14="http://schemas.microsoft.com/office/drawing/2010/main" val="0"/>
+              </a:ext>
+            </a:extLst>
+          </a:blip>
+          <a:srcRect t="26128"/>
+          <a:stretch>
+            <a:fillRect/>
+          </a:stretch>
+        </p:blipFill>
+        <p:spPr bwMode="auto">
+          <a:xfrm>
+            <a:off x="1747736" y="658383"/>
+            <a:ext cx="2181198" cy="1089497"/>
+          </a:xfrm>
+          <a:prstGeom prst="rect">
+            <a:avLst/>
+          </a:prstGeom>
+          <a:noFill/>
+          <a:extLst>
+            <a:ext uri="{909E8E84-426E-40DD-AFC4-6F175D3DCCD1}">
+              <a14:hiddenFill xmlns:a14="http://schemas.microsoft.com/office/drawing/2010/main">
+                <a:solidFill>
+                  <a:srgbClr val="FFFFFF"/>
+                </a:solidFill>
+              </a14:hiddenFill>
+            </a:ext>
+          </a:extLst>
+        </p:spPr>
+      </p:pic>
+      <p:pic>
+        <p:nvPicPr>
+          <p:cNvPr id="38" name="Picture 6" descr="A Simplified, Yet Complex Solution (221B Baker Street) – Northern Dice">
+            <a:extLst>
+              <a:ext uri="{FF2B5EF4-FFF2-40B4-BE49-F238E27FC236}">
+                <a16:creationId xmlns:a16="http://schemas.microsoft.com/office/drawing/2014/main" id="{1B3265C6-43DD-4100-408D-ED2AC2A46E28}"/>
+              </a:ext>
+            </a:extLst>
+          </p:cNvPr>
+          <p:cNvPicPr>
+            <a:picLocks noChangeAspect="1" noChangeArrowheads="1"/>
+          </p:cNvPicPr>
+          <p:nvPr/>
+        </p:nvPicPr>
+        <p:blipFill rotWithShape="1">
+          <a:blip r:embed="rId2">
+            <a:extLst>
+              <a:ext uri="{28A0092B-C50C-407E-A947-70E740481C1C}">
+                <a14:useLocalDpi xmlns:a14="http://schemas.microsoft.com/office/drawing/2010/main" val="0"/>
+              </a:ext>
+            </a:extLst>
+          </a:blip>
+          <a:srcRect t="26128"/>
+          <a:stretch>
+            <a:fillRect/>
+          </a:stretch>
+        </p:blipFill>
+        <p:spPr bwMode="auto">
+          <a:xfrm>
+            <a:off x="8248934" y="658382"/>
+            <a:ext cx="2181198" cy="1089497"/>
+          </a:xfrm>
+          <a:prstGeom prst="rect">
+            <a:avLst/>
+          </a:prstGeom>
+          <a:noFill/>
+          <a:extLst>
+            <a:ext uri="{909E8E84-426E-40DD-AFC4-6F175D3DCCD1}">
+              <a14:hiddenFill xmlns:a14="http://schemas.microsoft.com/office/drawing/2010/main">
+                <a:solidFill>
+                  <a:srgbClr val="FFFFFF"/>
+                </a:solidFill>
+              </a14:hiddenFill>
+            </a:ext>
+          </a:extLst>
+        </p:spPr>
+      </p:pic>
+      <p:pic>
+        <p:nvPicPr>
+          <p:cNvPr id="39" name="Picture 6" descr="A Simplified, Yet Complex Solution (221B Baker Street) – Northern Dice">
+            <a:extLst>
+              <a:ext uri="{FF2B5EF4-FFF2-40B4-BE49-F238E27FC236}">
+                <a16:creationId xmlns:a16="http://schemas.microsoft.com/office/drawing/2014/main" id="{B9E8722E-EFFE-0072-2409-56F2578A6987}"/>
+              </a:ext>
+            </a:extLst>
+          </p:cNvPr>
+          <p:cNvPicPr>
+            <a:picLocks noChangeAspect="1" noChangeArrowheads="1"/>
+          </p:cNvPicPr>
+          <p:nvPr/>
+        </p:nvPicPr>
+        <p:blipFill rotWithShape="1">
+          <a:blip r:embed="rId2">
+            <a:extLst>
+              <a:ext uri="{28A0092B-C50C-407E-A947-70E740481C1C}">
+                <a14:useLocalDpi xmlns:a14="http://schemas.microsoft.com/office/drawing/2010/main" val="0"/>
+              </a:ext>
+            </a:extLst>
+          </a:blip>
+          <a:srcRect t="26128"/>
+          <a:stretch>
+            <a:fillRect/>
+          </a:stretch>
+        </p:blipFill>
+        <p:spPr bwMode="auto">
+          <a:xfrm>
+            <a:off x="10401868" y="658385"/>
+            <a:ext cx="2181198" cy="1089497"/>
+          </a:xfrm>
+          <a:prstGeom prst="rect">
+            <a:avLst/>
+          </a:prstGeom>
+          <a:noFill/>
+          <a:extLst>
+            <a:ext uri="{909E8E84-426E-40DD-AFC4-6F175D3DCCD1}">
+              <a14:hiddenFill xmlns:a14="http://schemas.microsoft.com/office/drawing/2010/main">
+                <a:solidFill>
+                  <a:srgbClr val="FFFFFF"/>
+                </a:solidFill>
+              </a14:hiddenFill>
+            </a:ext>
+          </a:extLst>
+        </p:spPr>
+      </p:pic>
+      <p:pic>
+        <p:nvPicPr>
+          <p:cNvPr id="40" name="Picture 6" descr="A Simplified, Yet Complex Solution (221B Baker Street) – Northern Dice">
+            <a:extLst>
+              <a:ext uri="{FF2B5EF4-FFF2-40B4-BE49-F238E27FC236}">
+                <a16:creationId xmlns:a16="http://schemas.microsoft.com/office/drawing/2014/main" id="{31CD2BA1-F31B-0F61-06D9-9ACA604C970F}"/>
+              </a:ext>
+            </a:extLst>
+          </p:cNvPr>
+          <p:cNvPicPr>
+            <a:picLocks noChangeAspect="1" noChangeArrowheads="1"/>
+          </p:cNvPicPr>
+          <p:nvPr/>
+        </p:nvPicPr>
+        <p:blipFill rotWithShape="1">
+          <a:blip r:embed="rId2">
+            <a:extLst>
+              <a:ext uri="{28A0092B-C50C-407E-A947-70E740481C1C}">
+                <a14:useLocalDpi xmlns:a14="http://schemas.microsoft.com/office/drawing/2010/main" val="0"/>
+              </a:ext>
+            </a:extLst>
+          </a:blip>
+          <a:srcRect t="26128"/>
+          <a:stretch>
+            <a:fillRect/>
+          </a:stretch>
+        </p:blipFill>
+        <p:spPr bwMode="auto">
+          <a:xfrm>
+            <a:off x="-419330" y="-431146"/>
+            <a:ext cx="2181198" cy="1089497"/>
+          </a:xfrm>
+          <a:prstGeom prst="rect">
+            <a:avLst/>
+          </a:prstGeom>
+          <a:noFill/>
+          <a:extLst>
+            <a:ext uri="{909E8E84-426E-40DD-AFC4-6F175D3DCCD1}">
+              <a14:hiddenFill xmlns:a14="http://schemas.microsoft.com/office/drawing/2010/main">
+                <a:solidFill>
+                  <a:srgbClr val="FFFFFF"/>
+                </a:solidFill>
+              </a14:hiddenFill>
+            </a:ext>
+          </a:extLst>
+        </p:spPr>
+      </p:pic>
+      <p:pic>
+        <p:nvPicPr>
+          <p:cNvPr id="41" name="Picture 6" descr="A Simplified, Yet Complex Solution (221B Baker Street) – Northern Dice">
+            <a:extLst>
+              <a:ext uri="{FF2B5EF4-FFF2-40B4-BE49-F238E27FC236}">
+                <a16:creationId xmlns:a16="http://schemas.microsoft.com/office/drawing/2014/main" id="{6EC238DB-E82C-7B45-051E-4204F2569F8D}"/>
+              </a:ext>
+            </a:extLst>
+          </p:cNvPr>
+          <p:cNvPicPr>
+            <a:picLocks noChangeAspect="1" noChangeArrowheads="1"/>
+          </p:cNvPicPr>
+          <p:nvPr/>
+        </p:nvPicPr>
+        <p:blipFill rotWithShape="1">
+          <a:blip r:embed="rId2">
+            <a:extLst>
+              <a:ext uri="{28A0092B-C50C-407E-A947-70E740481C1C}">
+                <a14:useLocalDpi xmlns:a14="http://schemas.microsoft.com/office/drawing/2010/main" val="0"/>
+              </a:ext>
+            </a:extLst>
+          </a:blip>
+          <a:srcRect t="26128"/>
+          <a:stretch>
+            <a:fillRect/>
+          </a:stretch>
+        </p:blipFill>
+        <p:spPr bwMode="auto">
+          <a:xfrm>
+            <a:off x="6096000" y="-431146"/>
+            <a:ext cx="2181198" cy="1089497"/>
+          </a:xfrm>
+          <a:prstGeom prst="rect">
+            <a:avLst/>
+          </a:prstGeom>
+          <a:noFill/>
+          <a:extLst>
+            <a:ext uri="{909E8E84-426E-40DD-AFC4-6F175D3DCCD1}">
+              <a14:hiddenFill xmlns:a14="http://schemas.microsoft.com/office/drawing/2010/main">
+                <a:solidFill>
+                  <a:srgbClr val="FFFFFF"/>
+                </a:solidFill>
+              </a14:hiddenFill>
+            </a:ext>
+          </a:extLst>
+        </p:spPr>
+      </p:pic>
+      <p:pic>
+        <p:nvPicPr>
+          <p:cNvPr id="42" name="Picture 41" descr="A Simplified, Yet Complex Solution (221B Baker Street) – Northern Dice">
+            <a:extLst>
+              <a:ext uri="{FF2B5EF4-FFF2-40B4-BE49-F238E27FC236}">
+                <a16:creationId xmlns:a16="http://schemas.microsoft.com/office/drawing/2014/main" id="{F1AFA5FF-CE79-BA77-7C16-D55619A2711F}"/>
+              </a:ext>
+            </a:extLst>
+          </p:cNvPr>
+          <p:cNvPicPr>
+            <a:picLocks noChangeAspect="1" noChangeArrowheads="1"/>
+          </p:cNvPicPr>
+          <p:nvPr/>
+        </p:nvPicPr>
+        <p:blipFill rotWithShape="1">
+          <a:blip r:embed="rId2">
+            <a:extLst>
+              <a:ext uri="{28A0092B-C50C-407E-A947-70E740481C1C}">
+                <a14:useLocalDpi xmlns:a14="http://schemas.microsoft.com/office/drawing/2010/main" val="0"/>
+              </a:ext>
+            </a:extLst>
+          </a:blip>
+          <a:srcRect t="26128"/>
+          <a:stretch>
+            <a:fillRect/>
+          </a:stretch>
+        </p:blipFill>
+        <p:spPr bwMode="auto">
+          <a:xfrm>
+            <a:off x="3914802" y="-431146"/>
+            <a:ext cx="2181198" cy="1089497"/>
+          </a:xfrm>
+          <a:prstGeom prst="rect">
+            <a:avLst/>
+          </a:prstGeom>
+          <a:noFill/>
+          <a:extLst>
+            <a:ext uri="{909E8E84-426E-40DD-AFC4-6F175D3DCCD1}">
+              <a14:hiddenFill xmlns:a14="http://schemas.microsoft.com/office/drawing/2010/main">
+                <a:solidFill>
+                  <a:srgbClr val="FFFFFF"/>
+                </a:solidFill>
+              </a14:hiddenFill>
+            </a:ext>
+          </a:extLst>
+        </p:spPr>
+      </p:pic>
+      <p:pic>
+        <p:nvPicPr>
+          <p:cNvPr id="43" name="Picture 6" descr="A Simplified, Yet Complex Solution (221B Baker Street) – Northern Dice">
+            <a:extLst>
+              <a:ext uri="{FF2B5EF4-FFF2-40B4-BE49-F238E27FC236}">
+                <a16:creationId xmlns:a16="http://schemas.microsoft.com/office/drawing/2014/main" id="{0A99EDB9-1A23-7642-422F-0ED791CA3B67}"/>
+              </a:ext>
+            </a:extLst>
+          </p:cNvPr>
+          <p:cNvPicPr>
+            <a:picLocks noChangeAspect="1" noChangeArrowheads="1"/>
+          </p:cNvPicPr>
+          <p:nvPr/>
+        </p:nvPicPr>
+        <p:blipFill rotWithShape="1">
+          <a:blip r:embed="rId2">
+            <a:extLst>
+              <a:ext uri="{28A0092B-C50C-407E-A947-70E740481C1C}">
+                <a14:useLocalDpi xmlns:a14="http://schemas.microsoft.com/office/drawing/2010/main" val="0"/>
+              </a:ext>
+            </a:extLst>
+          </a:blip>
+          <a:srcRect t="26128"/>
+          <a:stretch>
+            <a:fillRect/>
+          </a:stretch>
+        </p:blipFill>
+        <p:spPr bwMode="auto">
+          <a:xfrm>
+            <a:off x="1747736" y="-431148"/>
+            <a:ext cx="2181198" cy="1089497"/>
+          </a:xfrm>
+          <a:prstGeom prst="rect">
+            <a:avLst/>
+          </a:prstGeom>
+          <a:noFill/>
+          <a:extLst>
+            <a:ext uri="{909E8E84-426E-40DD-AFC4-6F175D3DCCD1}">
+              <a14:hiddenFill xmlns:a14="http://schemas.microsoft.com/office/drawing/2010/main">
+                <a:solidFill>
+                  <a:srgbClr val="FFFFFF"/>
+                </a:solidFill>
+              </a14:hiddenFill>
+            </a:ext>
+          </a:extLst>
+        </p:spPr>
+      </p:pic>
+      <p:pic>
+        <p:nvPicPr>
+          <p:cNvPr id="44" name="Picture 6" descr="A Simplified, Yet Complex Solution (221B Baker Street) – Northern Dice">
+            <a:extLst>
+              <a:ext uri="{FF2B5EF4-FFF2-40B4-BE49-F238E27FC236}">
+                <a16:creationId xmlns:a16="http://schemas.microsoft.com/office/drawing/2014/main" id="{D9CCE549-E9F2-38B8-ADA9-4A89767B17EC}"/>
+              </a:ext>
+            </a:extLst>
+          </p:cNvPr>
+          <p:cNvPicPr>
+            <a:picLocks noChangeAspect="1" noChangeArrowheads="1"/>
+          </p:cNvPicPr>
+          <p:nvPr/>
+        </p:nvPicPr>
+        <p:blipFill rotWithShape="1">
+          <a:blip r:embed="rId2">
+            <a:extLst>
+              <a:ext uri="{28A0092B-C50C-407E-A947-70E740481C1C}">
+                <a14:useLocalDpi xmlns:a14="http://schemas.microsoft.com/office/drawing/2010/main" val="0"/>
+              </a:ext>
+            </a:extLst>
+          </a:blip>
+          <a:srcRect t="26128"/>
+          <a:stretch>
+            <a:fillRect/>
+          </a:stretch>
+        </p:blipFill>
+        <p:spPr bwMode="auto">
+          <a:xfrm>
+            <a:off x="8248934" y="-431149"/>
+            <a:ext cx="2181198" cy="1089497"/>
+          </a:xfrm>
+          <a:prstGeom prst="rect">
+            <a:avLst/>
+          </a:prstGeom>
+          <a:noFill/>
+          <a:extLst>
+            <a:ext uri="{909E8E84-426E-40DD-AFC4-6F175D3DCCD1}">
+              <a14:hiddenFill xmlns:a14="http://schemas.microsoft.com/office/drawing/2010/main">
+                <a:solidFill>
+                  <a:srgbClr val="FFFFFF"/>
+                </a:solidFill>
+              </a14:hiddenFill>
+            </a:ext>
+          </a:extLst>
+        </p:spPr>
+      </p:pic>
+      <p:pic>
+        <p:nvPicPr>
+          <p:cNvPr id="45" name="Picture 6" descr="A Simplified, Yet Complex Solution (221B Baker Street) – Northern Dice">
+            <a:extLst>
+              <a:ext uri="{FF2B5EF4-FFF2-40B4-BE49-F238E27FC236}">
+                <a16:creationId xmlns:a16="http://schemas.microsoft.com/office/drawing/2014/main" id="{6D29D005-E2D2-41EC-54A8-F4C3F3D463FC}"/>
+              </a:ext>
+            </a:extLst>
+          </p:cNvPr>
+          <p:cNvPicPr>
+            <a:picLocks noChangeAspect="1" noChangeArrowheads="1"/>
+          </p:cNvPicPr>
+          <p:nvPr/>
+        </p:nvPicPr>
+        <p:blipFill rotWithShape="1">
+          <a:blip r:embed="rId2">
+            <a:extLst>
+              <a:ext uri="{28A0092B-C50C-407E-A947-70E740481C1C}">
+                <a14:useLocalDpi xmlns:a14="http://schemas.microsoft.com/office/drawing/2010/main" val="0"/>
+              </a:ext>
+            </a:extLst>
+          </a:blip>
+          <a:srcRect t="26128"/>
+          <a:stretch>
+            <a:fillRect/>
+          </a:stretch>
+        </p:blipFill>
+        <p:spPr bwMode="auto">
+          <a:xfrm>
+            <a:off x="10401868" y="-431146"/>
+            <a:ext cx="2181198" cy="1089497"/>
+          </a:xfrm>
+          <a:prstGeom prst="rect">
+            <a:avLst/>
+          </a:prstGeom>
+          <a:noFill/>
+          <a:extLst>
+            <a:ext uri="{909E8E84-426E-40DD-AFC4-6F175D3DCCD1}">
+              <a14:hiddenFill xmlns:a14="http://schemas.microsoft.com/office/drawing/2010/main">
+                <a:solidFill>
+                  <a:srgbClr val="FFFFFF"/>
+                </a:solidFill>
+              </a14:hiddenFill>
+            </a:ext>
+          </a:extLst>
+        </p:spPr>
+      </p:pic>
+      <p:sp>
+        <p:nvSpPr>
+          <p:cNvPr id="57" name="Rectangle 56">
+            <a:extLst>
+              <a:ext uri="{FF2B5EF4-FFF2-40B4-BE49-F238E27FC236}">
+                <a16:creationId xmlns:a16="http://schemas.microsoft.com/office/drawing/2014/main" id="{999A36E1-5D5C-8604-4EAA-901213F1421D}"/>
+              </a:ext>
+            </a:extLst>
+          </p:cNvPr>
+          <p:cNvSpPr/>
+          <p:nvPr/>
+        </p:nvSpPr>
+        <p:spPr>
+          <a:xfrm>
+            <a:off x="1527844" y="2141033"/>
+            <a:ext cx="6991013" cy="1287967"/>
+          </a:xfrm>
+          <a:prstGeom prst="rect">
+            <a:avLst/>
+          </a:prstGeom>
+          <a:solidFill>
+            <a:srgbClr val="051421">
+              <a:alpha val="60000"/>
+            </a:srgbClr>
+          </a:solidFill>
+          <a:ln>
+            <a:solidFill>
+              <a:srgbClr val="051421"/>
+            </a:solidFill>
+          </a:ln>
+        </p:spPr>
+        <p:style>
+          <a:lnRef idx="2">
+            <a:schemeClr val="accent1">
+              <a:shade val="15000"/>
+            </a:schemeClr>
+          </a:lnRef>
+          <a:fillRef idx="1">
+            <a:schemeClr val="accent1"/>
+          </a:fillRef>
+          <a:effectRef idx="0">
+            <a:schemeClr val="accent1"/>
+          </a:effectRef>
+          <a:fontRef idx="minor">
+            <a:schemeClr val="lt1"/>
+          </a:fontRef>
+        </p:style>
+        <p:txBody>
+          <a:bodyPr rtlCol="0" anchor="ctr"/>
+          <a:lstStyle/>
+          <a:p>
+            <a:pPr algn="ctr"/>
+            <a:endParaRPr lang="en-GB"/>
+          </a:p>
+        </p:txBody>
+      </p:sp>
+      <p:sp>
+        <p:nvSpPr>
+          <p:cNvPr id="58" name="Rectangle 57">
+            <a:extLst>
+              <a:ext uri="{FF2B5EF4-FFF2-40B4-BE49-F238E27FC236}">
+                <a16:creationId xmlns:a16="http://schemas.microsoft.com/office/drawing/2014/main" id="{D702AB26-6EA6-1DF0-126D-2B21168CC88A}"/>
+              </a:ext>
+            </a:extLst>
+          </p:cNvPr>
+          <p:cNvSpPr/>
+          <p:nvPr/>
+        </p:nvSpPr>
+        <p:spPr>
+          <a:xfrm>
+            <a:off x="8511224" y="2140996"/>
+            <a:ext cx="2304000" cy="2305050"/>
+          </a:xfrm>
+          <a:prstGeom prst="rect">
+            <a:avLst/>
+          </a:prstGeom>
+          <a:solidFill>
+            <a:srgbClr val="051421">
+              <a:alpha val="60000"/>
+            </a:srgbClr>
+          </a:solidFill>
+          <a:ln>
+            <a:solidFill>
+              <a:schemeClr val="tx1"/>
+            </a:solidFill>
+          </a:ln>
+        </p:spPr>
+        <p:style>
+          <a:lnRef idx="2">
+            <a:schemeClr val="accent1">
+              <a:shade val="15000"/>
+            </a:schemeClr>
+          </a:lnRef>
+          <a:fillRef idx="1">
+            <a:schemeClr val="accent1"/>
+          </a:fillRef>
+          <a:effectRef idx="0">
+            <a:schemeClr val="accent1"/>
+          </a:effectRef>
+          <a:fontRef idx="minor">
+            <a:schemeClr val="lt1"/>
+          </a:fontRef>
+        </p:style>
+        <p:txBody>
+          <a:bodyPr rtlCol="0" anchor="ctr"/>
+          <a:lstStyle/>
+          <a:p>
+            <a:pPr algn="ctr"/>
+            <a:endParaRPr lang="en-GB"/>
+          </a:p>
+        </p:txBody>
+      </p:sp>
+      <p:sp>
+        <p:nvSpPr>
+          <p:cNvPr id="59" name="Rectangle 58">
+            <a:extLst>
+              <a:ext uri="{FF2B5EF4-FFF2-40B4-BE49-F238E27FC236}">
+                <a16:creationId xmlns:a16="http://schemas.microsoft.com/office/drawing/2014/main" id="{23888E32-2567-D80D-1632-8B29002CD6FC}"/>
+              </a:ext>
+            </a:extLst>
+          </p:cNvPr>
+          <p:cNvSpPr/>
+          <p:nvPr/>
+        </p:nvSpPr>
+        <p:spPr>
+          <a:xfrm>
+            <a:off x="1523933" y="3429000"/>
+            <a:ext cx="3495600" cy="1017046"/>
+          </a:xfrm>
+          <a:prstGeom prst="rect">
+            <a:avLst/>
+          </a:prstGeom>
+          <a:solidFill>
+            <a:srgbClr val="051421">
+              <a:alpha val="60000"/>
+            </a:srgbClr>
+          </a:solidFill>
+          <a:ln>
+            <a:solidFill>
+              <a:srgbClr val="051421"/>
+            </a:solidFill>
+          </a:ln>
+        </p:spPr>
+        <p:style>
+          <a:lnRef idx="2">
+            <a:schemeClr val="accent1">
+              <a:shade val="15000"/>
+            </a:schemeClr>
+          </a:lnRef>
+          <a:fillRef idx="1">
+            <a:schemeClr val="accent1"/>
+          </a:fillRef>
+          <a:effectRef idx="0">
+            <a:schemeClr val="accent1"/>
+          </a:effectRef>
+          <a:fontRef idx="minor">
+            <a:schemeClr val="lt1"/>
+          </a:fontRef>
+        </p:style>
+        <p:txBody>
+          <a:bodyPr rtlCol="0" anchor="ctr"/>
+          <a:lstStyle/>
+          <a:p>
+            <a:pPr algn="ctr"/>
+            <a:endParaRPr lang="en-GB"/>
+          </a:p>
+        </p:txBody>
+      </p:sp>
+      <p:sp>
+        <p:nvSpPr>
+          <p:cNvPr id="60" name="Rectangle 59">
+            <a:extLst>
+              <a:ext uri="{FF2B5EF4-FFF2-40B4-BE49-F238E27FC236}">
+                <a16:creationId xmlns:a16="http://schemas.microsoft.com/office/drawing/2014/main" id="{658D5FC3-E6E7-2F8C-CA17-294620E58399}"/>
+              </a:ext>
+            </a:extLst>
+          </p:cNvPr>
+          <p:cNvSpPr/>
+          <p:nvPr/>
+        </p:nvSpPr>
+        <p:spPr>
+          <a:xfrm>
+            <a:off x="5013669" y="3429000"/>
+            <a:ext cx="3495600" cy="1017046"/>
+          </a:xfrm>
+          <a:prstGeom prst="rect">
+            <a:avLst/>
+          </a:prstGeom>
+          <a:solidFill>
+            <a:srgbClr val="051421">
+              <a:alpha val="60000"/>
+            </a:srgbClr>
+          </a:solidFill>
+          <a:ln>
+            <a:solidFill>
+              <a:srgbClr val="051421"/>
+            </a:solidFill>
+          </a:ln>
+        </p:spPr>
+        <p:style>
+          <a:lnRef idx="2">
+            <a:schemeClr val="accent1">
+              <a:shade val="15000"/>
+            </a:schemeClr>
+          </a:lnRef>
+          <a:fillRef idx="1">
+            <a:schemeClr val="accent1"/>
+          </a:fillRef>
+          <a:effectRef idx="0">
+            <a:schemeClr val="accent1"/>
+          </a:effectRef>
+          <a:fontRef idx="minor">
+            <a:schemeClr val="lt1"/>
+          </a:fontRef>
+        </p:style>
+        <p:txBody>
+          <a:bodyPr rtlCol="0" anchor="ctr"/>
+          <a:lstStyle/>
+          <a:p>
+            <a:pPr algn="ctr"/>
+            <a:endParaRPr lang="en-GB"/>
+          </a:p>
+        </p:txBody>
+      </p:sp>
+      <p:sp>
+        <p:nvSpPr>
+          <p:cNvPr id="61" name="Rectangle 60">
+            <a:extLst>
+              <a:ext uri="{FF2B5EF4-FFF2-40B4-BE49-F238E27FC236}">
+                <a16:creationId xmlns:a16="http://schemas.microsoft.com/office/drawing/2014/main" id="{4B725796-47BA-A1B3-2151-CDD65D90C147}"/>
+              </a:ext>
+            </a:extLst>
+          </p:cNvPr>
+          <p:cNvSpPr/>
+          <p:nvPr/>
+        </p:nvSpPr>
+        <p:spPr>
+          <a:xfrm>
+            <a:off x="1529799" y="2141033"/>
+            <a:ext cx="6991013" cy="1287967"/>
+          </a:xfrm>
+          <a:prstGeom prst="rect">
+            <a:avLst/>
+          </a:prstGeom>
+          <a:solidFill>
+            <a:srgbClr val="051421">
+              <a:alpha val="60000"/>
+            </a:srgbClr>
+          </a:solidFill>
+          <a:ln>
+            <a:solidFill>
+              <a:schemeClr val="tx1"/>
+            </a:solidFill>
+          </a:ln>
+        </p:spPr>
+        <p:style>
+          <a:lnRef idx="2">
+            <a:schemeClr val="accent1">
+              <a:shade val="15000"/>
+            </a:schemeClr>
+          </a:lnRef>
+          <a:fillRef idx="1">
+            <a:schemeClr val="accent1"/>
+          </a:fillRef>
+          <a:effectRef idx="0">
+            <a:schemeClr val="accent1"/>
+          </a:effectRef>
+          <a:fontRef idx="minor">
+            <a:schemeClr val="lt1"/>
+          </a:fontRef>
+        </p:style>
+        <p:txBody>
+          <a:bodyPr rtlCol="0" anchor="ctr"/>
+          <a:lstStyle/>
+          <a:p>
+            <a:pPr algn="ctr"/>
+            <a:endParaRPr lang="en-GB"/>
+          </a:p>
+        </p:txBody>
+      </p:sp>
+      <p:sp>
+        <p:nvSpPr>
+          <p:cNvPr id="62" name="Rectangle 61">
+            <a:extLst>
+              <a:ext uri="{FF2B5EF4-FFF2-40B4-BE49-F238E27FC236}">
+                <a16:creationId xmlns:a16="http://schemas.microsoft.com/office/drawing/2014/main" id="{69CC274C-1638-C176-3525-A10C4F264B01}"/>
+              </a:ext>
+            </a:extLst>
+          </p:cNvPr>
+          <p:cNvSpPr/>
+          <p:nvPr/>
+        </p:nvSpPr>
+        <p:spPr>
+          <a:xfrm>
+            <a:off x="1525888" y="3429000"/>
+            <a:ext cx="3495600" cy="1017046"/>
+          </a:xfrm>
+          <a:prstGeom prst="rect">
+            <a:avLst/>
+          </a:prstGeom>
+          <a:solidFill>
+            <a:srgbClr val="051421">
+              <a:alpha val="60000"/>
+            </a:srgbClr>
+          </a:solidFill>
+          <a:ln>
+            <a:solidFill>
+              <a:schemeClr val="tx1"/>
+            </a:solidFill>
+          </a:ln>
+        </p:spPr>
+        <p:style>
+          <a:lnRef idx="2">
+            <a:schemeClr val="accent1">
+              <a:shade val="15000"/>
+            </a:schemeClr>
+          </a:lnRef>
+          <a:fillRef idx="1">
+            <a:schemeClr val="accent1"/>
+          </a:fillRef>
+          <a:effectRef idx="0">
+            <a:schemeClr val="accent1"/>
+          </a:effectRef>
+          <a:fontRef idx="minor">
+            <a:schemeClr val="lt1"/>
+          </a:fontRef>
+        </p:style>
+        <p:txBody>
+          <a:bodyPr rtlCol="0" anchor="ctr"/>
+          <a:lstStyle/>
+          <a:p>
+            <a:pPr algn="ctr"/>
+            <a:endParaRPr lang="en-GB"/>
+          </a:p>
+        </p:txBody>
+      </p:sp>
+      <p:sp>
+        <p:nvSpPr>
+          <p:cNvPr id="63" name="Rectangle 62">
+            <a:extLst>
+              <a:ext uri="{FF2B5EF4-FFF2-40B4-BE49-F238E27FC236}">
+                <a16:creationId xmlns:a16="http://schemas.microsoft.com/office/drawing/2014/main" id="{C640ACFC-5476-6496-8531-DA8EC8D548E4}"/>
+              </a:ext>
+            </a:extLst>
+          </p:cNvPr>
+          <p:cNvSpPr/>
+          <p:nvPr/>
+        </p:nvSpPr>
+        <p:spPr>
+          <a:xfrm>
+            <a:off x="5015624" y="3429000"/>
+            <a:ext cx="3495600" cy="1017046"/>
+          </a:xfrm>
+          <a:prstGeom prst="rect">
+            <a:avLst/>
+          </a:prstGeom>
+          <a:solidFill>
+            <a:srgbClr val="051421">
+              <a:alpha val="60000"/>
+            </a:srgbClr>
+          </a:solidFill>
+          <a:ln>
+            <a:solidFill>
+              <a:schemeClr val="tx1"/>
+            </a:solidFill>
+          </a:ln>
+        </p:spPr>
+        <p:style>
+          <a:lnRef idx="2">
+            <a:schemeClr val="accent1">
+              <a:shade val="15000"/>
+            </a:schemeClr>
+          </a:lnRef>
+          <a:fillRef idx="1">
+            <a:schemeClr val="accent1"/>
+          </a:fillRef>
+          <a:effectRef idx="0">
+            <a:schemeClr val="accent1"/>
+          </a:effectRef>
+          <a:fontRef idx="minor">
+            <a:schemeClr val="lt1"/>
+          </a:fontRef>
+        </p:style>
+        <p:txBody>
+          <a:bodyPr rtlCol="0" anchor="ctr"/>
+          <a:lstStyle/>
+          <a:p>
+            <a:pPr algn="ctr"/>
+            <a:endParaRPr lang="en-GB"/>
+          </a:p>
+        </p:txBody>
+      </p:sp>
+      <p:sp>
+        <p:nvSpPr>
+          <p:cNvPr id="64" name="Rectangle 63">
+            <a:extLst>
+              <a:ext uri="{FF2B5EF4-FFF2-40B4-BE49-F238E27FC236}">
+                <a16:creationId xmlns:a16="http://schemas.microsoft.com/office/drawing/2014/main" id="{A86B0F94-4F90-8DBC-E482-6520110DC8A8}"/>
+              </a:ext>
+            </a:extLst>
+          </p:cNvPr>
+          <p:cNvSpPr/>
+          <p:nvPr/>
+        </p:nvSpPr>
+        <p:spPr>
+          <a:xfrm>
+            <a:off x="8481003" y="2140962"/>
+            <a:ext cx="2703240" cy="1569660"/>
+          </a:xfrm>
+          <a:prstGeom prst="rect">
+            <a:avLst/>
+          </a:prstGeom>
+          <a:noFill/>
+        </p:spPr>
+        <p:txBody>
+          <a:bodyPr wrap="square" lIns="91440" tIns="45720" rIns="91440" bIns="45720">
+            <a:spAutoFit/>
+          </a:bodyPr>
+          <a:lstStyle/>
+          <a:p>
+            <a:r>
+              <a:rPr lang="en-US" sz="4800" b="1" cap="none" spc="0" dirty="0">
+                <a:ln w="0"/>
+                <a:solidFill>
+                  <a:schemeClr val="bg1"/>
+                </a:solidFill>
+                <a:effectLst>
+                  <a:outerShdw blurRad="38100" dist="19050" dir="2700000" algn="tl" rotWithShape="0">
+                    <a:schemeClr val="dk1">
+                      <a:alpha val="40000"/>
+                    </a:schemeClr>
+                  </a:outerShdw>
+                </a:effectLst>
+              </a:rPr>
+              <a:t>CREATE </a:t>
+            </a:r>
+          </a:p>
+          <a:p>
+            <a:r>
+              <a:rPr lang="en-US" sz="4800" b="1" cap="none" spc="0" dirty="0">
+                <a:ln w="0"/>
+                <a:solidFill>
+                  <a:schemeClr val="bg1"/>
+                </a:solidFill>
+                <a:effectLst>
+                  <a:outerShdw blurRad="38100" dist="19050" dir="2700000" algn="tl" rotWithShape="0">
+                    <a:schemeClr val="dk1">
+                      <a:alpha val="40000"/>
+                    </a:schemeClr>
+                  </a:outerShdw>
+                </a:effectLst>
+              </a:rPr>
+              <a:t>GAME</a:t>
+            </a:r>
+          </a:p>
+        </p:txBody>
+      </p:sp>
+      <p:sp>
+        <p:nvSpPr>
+          <p:cNvPr id="65" name="Arrow: Right 64">
+            <a:extLst>
+              <a:ext uri="{FF2B5EF4-FFF2-40B4-BE49-F238E27FC236}">
+                <a16:creationId xmlns:a16="http://schemas.microsoft.com/office/drawing/2014/main" id="{0E5D1490-6B85-6912-52E4-495A7E4A5F2A}"/>
+              </a:ext>
+            </a:extLst>
+          </p:cNvPr>
+          <p:cNvSpPr/>
+          <p:nvPr/>
+        </p:nvSpPr>
+        <p:spPr>
+          <a:xfrm>
+            <a:off x="8660396" y="3633872"/>
+            <a:ext cx="632426" cy="723900"/>
+          </a:xfrm>
+          <a:prstGeom prst="rightArrow">
+            <a:avLst/>
+          </a:prstGeom>
+          <a:solidFill>
+            <a:schemeClr val="bg1"/>
+          </a:solidFill>
+        </p:spPr>
+        <p:style>
+          <a:lnRef idx="2">
+            <a:schemeClr val="accent1">
+              <a:shade val="15000"/>
+            </a:schemeClr>
+          </a:lnRef>
+          <a:fillRef idx="1">
+            <a:schemeClr val="accent1"/>
+          </a:fillRef>
+          <a:effectRef idx="0">
+            <a:schemeClr val="accent1"/>
+          </a:effectRef>
+          <a:fontRef idx="minor">
+            <a:schemeClr val="lt1"/>
+          </a:fontRef>
+        </p:style>
+        <p:txBody>
+          <a:bodyPr rtlCol="0" anchor="ctr"/>
+          <a:lstStyle/>
+          <a:p>
+            <a:pPr algn="ctr"/>
+            <a:endParaRPr lang="en-GB"/>
+          </a:p>
+        </p:txBody>
+      </p:sp>
+      <p:sp>
+        <p:nvSpPr>
+          <p:cNvPr id="66" name="Rectangle 65">
+            <a:extLst>
+              <a:ext uri="{FF2B5EF4-FFF2-40B4-BE49-F238E27FC236}">
+                <a16:creationId xmlns:a16="http://schemas.microsoft.com/office/drawing/2014/main" id="{3837FC07-4B3E-D4FD-AEF9-8032ECBD20ED}"/>
+              </a:ext>
+            </a:extLst>
+          </p:cNvPr>
+          <p:cNvSpPr/>
+          <p:nvPr/>
+        </p:nvSpPr>
+        <p:spPr>
+          <a:xfrm>
+            <a:off x="1519735" y="2231018"/>
+            <a:ext cx="6971332" cy="1107996"/>
+          </a:xfrm>
+          <a:prstGeom prst="rect">
+            <a:avLst/>
+          </a:prstGeom>
+          <a:noFill/>
+        </p:spPr>
+        <p:txBody>
+          <a:bodyPr wrap="none" lIns="91440" tIns="45720" rIns="91440" bIns="45720">
+            <a:spAutoFit/>
+          </a:bodyPr>
+          <a:lstStyle/>
+          <a:p>
+            <a:pPr algn="ctr"/>
+            <a:r>
+              <a:rPr lang="en-US" sz="6600" b="1" cap="none" spc="0" dirty="0">
+                <a:ln w="0"/>
+                <a:solidFill>
+                  <a:schemeClr val="bg1"/>
+                </a:solidFill>
+                <a:effectLst>
+                  <a:outerShdw blurRad="38100" dist="19050" dir="2700000" algn="tl" rotWithShape="0">
+                    <a:schemeClr val="dk1">
+                      <a:alpha val="40000"/>
+                    </a:schemeClr>
+                  </a:outerShdw>
+                </a:effectLst>
+              </a:rPr>
+              <a:t>221B Baker Street</a:t>
+            </a:r>
+          </a:p>
+        </p:txBody>
+      </p:sp>
+      <p:sp>
+        <p:nvSpPr>
+          <p:cNvPr id="67" name="Rectangle 66">
+            <a:extLst>
+              <a:ext uri="{FF2B5EF4-FFF2-40B4-BE49-F238E27FC236}">
+                <a16:creationId xmlns:a16="http://schemas.microsoft.com/office/drawing/2014/main" id="{BB32DD8A-341A-2206-7A96-C13EF33085EB}"/>
+              </a:ext>
+            </a:extLst>
+          </p:cNvPr>
+          <p:cNvSpPr/>
+          <p:nvPr/>
+        </p:nvSpPr>
+        <p:spPr>
+          <a:xfrm>
+            <a:off x="5375864" y="3475858"/>
+            <a:ext cx="2775119" cy="923330"/>
+          </a:xfrm>
+          <a:prstGeom prst="rect">
+            <a:avLst/>
+          </a:prstGeom>
+          <a:noFill/>
+        </p:spPr>
+        <p:txBody>
+          <a:bodyPr wrap="none" lIns="91440" tIns="45720" rIns="91440" bIns="45720">
+            <a:spAutoFit/>
+          </a:bodyPr>
+          <a:lstStyle/>
+          <a:p>
+            <a:pPr algn="ctr"/>
+            <a:r>
+              <a:rPr lang="en-US" sz="5400" b="1" cap="none" spc="0" dirty="0">
+                <a:ln w="0"/>
+                <a:solidFill>
+                  <a:schemeClr val="bg1"/>
+                </a:solidFill>
+                <a:effectLst>
+                  <a:outerShdw blurRad="38100" dist="19050" dir="2700000" algn="tl" rotWithShape="0">
+                    <a:schemeClr val="dk1">
+                      <a:alpha val="40000"/>
+                    </a:schemeClr>
+                  </a:outerShdw>
+                </a:effectLst>
+              </a:rPr>
+              <a:t>Settings</a:t>
+            </a:r>
+          </a:p>
+        </p:txBody>
+      </p:sp>
+      <p:sp>
+        <p:nvSpPr>
+          <p:cNvPr id="68" name="Rectangle 67">
+            <a:extLst>
+              <a:ext uri="{FF2B5EF4-FFF2-40B4-BE49-F238E27FC236}">
+                <a16:creationId xmlns:a16="http://schemas.microsoft.com/office/drawing/2014/main" id="{43F0F2E7-0CD9-531A-7725-1713158486E8}"/>
+              </a:ext>
+            </a:extLst>
+          </p:cNvPr>
+          <p:cNvSpPr/>
+          <p:nvPr/>
+        </p:nvSpPr>
+        <p:spPr>
+          <a:xfrm>
+            <a:off x="1473291" y="3465265"/>
+            <a:ext cx="3612336" cy="923330"/>
+          </a:xfrm>
+          <a:prstGeom prst="rect">
+            <a:avLst/>
+          </a:prstGeom>
+          <a:noFill/>
+        </p:spPr>
+        <p:txBody>
+          <a:bodyPr wrap="none" lIns="91440" tIns="45720" rIns="91440" bIns="45720">
+            <a:spAutoFit/>
+          </a:bodyPr>
+          <a:lstStyle/>
+          <a:p>
+            <a:pPr algn="ctr"/>
+            <a:r>
+              <a:rPr lang="en-GB" sz="5400" b="1" cap="none" spc="0" noProof="0" dirty="0">
+                <a:ln w="0"/>
+                <a:solidFill>
+                  <a:schemeClr val="bg1"/>
+                </a:solidFill>
+                <a:effectLst>
+                  <a:outerShdw blurRad="38100" dist="19050" dir="2700000" algn="tl" rotWithShape="0">
+                    <a:schemeClr val="dk1">
+                      <a:alpha val="40000"/>
+                    </a:schemeClr>
+                  </a:outerShdw>
+                </a:effectLst>
+              </a:rPr>
+              <a:t>Customise</a:t>
+            </a:r>
+          </a:p>
+        </p:txBody>
+      </p:sp>
+    </p:spTree>
+    <p:extLst>
+      <p:ext uri="{BB962C8B-B14F-4D97-AF65-F5344CB8AC3E}">
+        <p14:creationId xmlns:p14="http://schemas.microsoft.com/office/powerpoint/2010/main" val="2321344408"/>
+      </p:ext>
+    </p:extLst>
+  </p:cSld>
+  <p:clrMapOvr>
+    <a:masterClrMapping/>
+  </p:clrMapOvr>
+</p:sld>
+</file>
+
+<file path=ppt/slides/slide2.xml><?xml version="1.0" encoding="utf-8"?>
 <p:sld xmlns:a="http://schemas.openxmlformats.org/drawingml/2006/main" xmlns:r="http://schemas.openxmlformats.org/officeDocument/2006/relationships" xmlns:p="http://schemas.openxmlformats.org/presentationml/2006/main">
   <p:cSld>
     <p:spTree>
